--- a/science/lenses/l.pptx
+++ b/science/lenses/l.pptx
@@ -8,6 +8,8 @@
     <p:sldId id="256" r:id="rId2"/>
     <p:sldId id="257" r:id="rId3"/>
     <p:sldId id="258" r:id="rId4"/>
+    <p:sldId id="260" r:id="rId5"/>
+    <p:sldId id="259" r:id="rId6"/>
   </p:sldIdLst>
   <p:sldSz cx="12192000" cy="6858000"/>
   <p:notesSz cx="6858000" cy="9144000"/>
@@ -106,6 +108,11 @@
       </a:defRPr>
     </a:lvl9pPr>
   </p:defaultTextStyle>
+  <p:extLst>
+    <p:ext uri="{EFAFB233-063F-42B5-8137-9DF3F51BA10A}">
+      <p15:sldGuideLst xmlns:p15="http://schemas.microsoft.com/office/powerpoint/2012/main"/>
+    </p:ext>
+  </p:extLst>
 </p:presentation>
 </file>
 
@@ -3913,7 +3920,7 @@
         </p:nvGrpSpPr>
         <p:grpSpPr>
           <a:xfrm>
-            <a:off x="6926946" y="500063"/>
+            <a:off x="6927600" y="442912"/>
             <a:ext cx="4757961" cy="5819775"/>
             <a:chOff x="4900389" y="733425"/>
             <a:chExt cx="7238776" cy="5391150"/>
@@ -4982,6 +4989,1754 @@
     <p:extLst>
       <p:ext uri="{BB962C8B-B14F-4D97-AF65-F5344CB8AC3E}">
         <p14:creationId xmlns:p14="http://schemas.microsoft.com/office/powerpoint/2010/main" val="202257226"/>
+      </p:ext>
+    </p:extLst>
+  </p:cSld>
+  <p:clrMapOvr>
+    <a:masterClrMapping/>
+  </p:clrMapOvr>
+</p:sld>
+</file>
+
+<file path=ppt/slides/slide4.xml><?xml version="1.0" encoding="utf-8"?>
+<p:sld xmlns:a="http://schemas.openxmlformats.org/drawingml/2006/main" xmlns:r="http://schemas.openxmlformats.org/officeDocument/2006/relationships" xmlns:p="http://schemas.openxmlformats.org/presentationml/2006/main">
+  <p:cSld>
+    <p:spTree>
+      <p:nvGrpSpPr>
+        <p:cNvPr id="1" name=""/>
+        <p:cNvGrpSpPr/>
+        <p:nvPr/>
+      </p:nvGrpSpPr>
+      <p:grpSpPr>
+        <a:xfrm>
+          <a:off x="0" y="0"/>
+          <a:ext cx="0" cy="0"/>
+          <a:chOff x="0" y="0"/>
+          <a:chExt cx="0" cy="0"/>
+        </a:xfrm>
+      </p:grpSpPr>
+      <p:grpSp>
+        <p:nvGrpSpPr>
+          <p:cNvPr id="22" name="Group 21">
+            <a:extLst>
+              <a:ext uri="{FF2B5EF4-FFF2-40B4-BE49-F238E27FC236}">
+                <a16:creationId xmlns:a16="http://schemas.microsoft.com/office/drawing/2014/main" id="{68F0110F-AD96-4151-A476-EAC2A6B4419C}"/>
+              </a:ext>
+            </a:extLst>
+          </p:cNvPr>
+          <p:cNvGrpSpPr/>
+          <p:nvPr/>
+        </p:nvGrpSpPr>
+        <p:grpSpPr>
+          <a:xfrm>
+            <a:off x="1807538" y="385762"/>
+            <a:ext cx="6692625" cy="5819775"/>
+            <a:chOff x="1807538" y="385762"/>
+            <a:chExt cx="6692625" cy="5819775"/>
+          </a:xfrm>
+        </p:grpSpPr>
+        <p:grpSp>
+          <p:nvGrpSpPr>
+            <p:cNvPr id="7" name="Group 6">
+              <a:extLst>
+                <a:ext uri="{FF2B5EF4-FFF2-40B4-BE49-F238E27FC236}">
+                  <a16:creationId xmlns:a16="http://schemas.microsoft.com/office/drawing/2014/main" id="{34288F0D-92F9-427E-9082-D342A153B8C5}"/>
+                </a:ext>
+              </a:extLst>
+            </p:cNvPr>
+            <p:cNvGrpSpPr/>
+            <p:nvPr/>
+          </p:nvGrpSpPr>
+          <p:grpSpPr>
+            <a:xfrm>
+              <a:off x="1807538" y="385762"/>
+              <a:ext cx="6692625" cy="5819775"/>
+              <a:chOff x="1807538" y="385762"/>
+              <a:chExt cx="6692625" cy="5819775"/>
+            </a:xfrm>
+          </p:grpSpPr>
+          <p:grpSp>
+            <p:nvGrpSpPr>
+              <p:cNvPr id="15" name="Group 14">
+                <a:extLst>
+                  <a:ext uri="{FF2B5EF4-FFF2-40B4-BE49-F238E27FC236}">
+                    <a16:creationId xmlns:a16="http://schemas.microsoft.com/office/drawing/2014/main" id="{AA301BD4-6337-489E-95EA-D578CBDC28E7}"/>
+                  </a:ext>
+                </a:extLst>
+              </p:cNvPr>
+              <p:cNvGrpSpPr/>
+              <p:nvPr/>
+            </p:nvGrpSpPr>
+            <p:grpSpPr>
+              <a:xfrm>
+                <a:off x="3660525" y="385762"/>
+                <a:ext cx="4757961" cy="5819775"/>
+                <a:chOff x="4900389" y="733425"/>
+                <a:chExt cx="7238776" cy="5391150"/>
+              </a:xfrm>
+            </p:grpSpPr>
+            <p:sp>
+              <p:nvSpPr>
+                <p:cNvPr id="6" name="Oval 5">
+                  <a:extLst>
+                    <a:ext uri="{FF2B5EF4-FFF2-40B4-BE49-F238E27FC236}">
+                      <a16:creationId xmlns:a16="http://schemas.microsoft.com/office/drawing/2014/main" id="{7E54E1E6-2BD5-4C14-A206-8BD06DA794D8}"/>
+                    </a:ext>
+                  </a:extLst>
+                </p:cNvPr>
+                <p:cNvSpPr/>
+                <p:nvPr/>
+              </p:nvSpPr>
+              <p:spPr>
+                <a:xfrm>
+                  <a:off x="6534377" y="1629000"/>
+                  <a:ext cx="3600000" cy="3600000"/>
+                </a:xfrm>
+                <a:prstGeom prst="ellipse">
+                  <a:avLst/>
+                </a:prstGeom>
+              </p:spPr>
+              <p:style>
+                <a:lnRef idx="2">
+                  <a:schemeClr val="accent1">
+                    <a:shade val="50000"/>
+                  </a:schemeClr>
+                </a:lnRef>
+                <a:fillRef idx="1">
+                  <a:schemeClr val="accent1"/>
+                </a:fillRef>
+                <a:effectRef idx="0">
+                  <a:schemeClr val="accent1"/>
+                </a:effectRef>
+                <a:fontRef idx="minor">
+                  <a:schemeClr val="lt1"/>
+                </a:fontRef>
+              </p:style>
+              <p:txBody>
+                <a:bodyPr rtlCol="0" anchor="ctr"/>
+                <a:lstStyle/>
+                <a:p>
+                  <a:pPr algn="ctr"/>
+                  <a:endParaRPr lang="en-IN" dirty="0"/>
+                </a:p>
+              </p:txBody>
+            </p:sp>
+            <p:sp>
+              <p:nvSpPr>
+                <p:cNvPr id="8" name="Oval 7">
+                  <a:extLst>
+                    <a:ext uri="{FF2B5EF4-FFF2-40B4-BE49-F238E27FC236}">
+                      <a16:creationId xmlns:a16="http://schemas.microsoft.com/office/drawing/2014/main" id="{109DF0C8-B249-471D-B75E-0B088253C7FF}"/>
+                    </a:ext>
+                  </a:extLst>
+                </p:cNvPr>
+                <p:cNvSpPr/>
+                <p:nvPr/>
+              </p:nvSpPr>
+              <p:spPr>
+                <a:xfrm>
+                  <a:off x="6534377" y="1629000"/>
+                  <a:ext cx="1904549" cy="3600000"/>
+                </a:xfrm>
+                <a:prstGeom prst="ellipse">
+                  <a:avLst/>
+                </a:prstGeom>
+                <a:solidFill>
+                  <a:schemeClr val="bg1"/>
+                </a:solidFill>
+                <a:ln>
+                  <a:noFill/>
+                </a:ln>
+              </p:spPr>
+              <p:style>
+                <a:lnRef idx="2">
+                  <a:schemeClr val="accent1">
+                    <a:shade val="50000"/>
+                  </a:schemeClr>
+                </a:lnRef>
+                <a:fillRef idx="1">
+                  <a:schemeClr val="accent1"/>
+                </a:fillRef>
+                <a:effectRef idx="0">
+                  <a:schemeClr val="accent1"/>
+                </a:effectRef>
+                <a:fontRef idx="minor">
+                  <a:schemeClr val="lt1"/>
+                </a:fontRef>
+              </p:style>
+              <p:txBody>
+                <a:bodyPr rtlCol="0" anchor="ctr"/>
+                <a:lstStyle/>
+                <a:p>
+                  <a:pPr algn="ctr"/>
+                  <a:endParaRPr lang="en-IN" dirty="0"/>
+                </a:p>
+              </p:txBody>
+            </p:sp>
+            <p:sp>
+              <p:nvSpPr>
+                <p:cNvPr id="9" name="Oval 8">
+                  <a:extLst>
+                    <a:ext uri="{FF2B5EF4-FFF2-40B4-BE49-F238E27FC236}">
+                      <a16:creationId xmlns:a16="http://schemas.microsoft.com/office/drawing/2014/main" id="{8AE00582-56B4-4214-A269-A7E40424A772}"/>
+                    </a:ext>
+                  </a:extLst>
+                </p:cNvPr>
+                <p:cNvSpPr/>
+                <p:nvPr/>
+              </p:nvSpPr>
+              <p:spPr>
+                <a:xfrm>
+                  <a:off x="8706077" y="1629000"/>
+                  <a:ext cx="1914298" cy="3600000"/>
+                </a:xfrm>
+                <a:prstGeom prst="ellipse">
+                  <a:avLst/>
+                </a:prstGeom>
+                <a:solidFill>
+                  <a:schemeClr val="bg1"/>
+                </a:solidFill>
+                <a:ln>
+                  <a:noFill/>
+                </a:ln>
+              </p:spPr>
+              <p:style>
+                <a:lnRef idx="2">
+                  <a:schemeClr val="accent1">
+                    <a:shade val="50000"/>
+                  </a:schemeClr>
+                </a:lnRef>
+                <a:fillRef idx="1">
+                  <a:schemeClr val="accent1"/>
+                </a:fillRef>
+                <a:effectRef idx="0">
+                  <a:schemeClr val="accent1"/>
+                </a:effectRef>
+                <a:fontRef idx="minor">
+                  <a:schemeClr val="lt1"/>
+                </a:fontRef>
+              </p:style>
+              <p:txBody>
+                <a:bodyPr rtlCol="0" anchor="ctr"/>
+                <a:lstStyle/>
+                <a:p>
+                  <a:pPr algn="ctr"/>
+                  <a:endParaRPr lang="en-IN" dirty="0"/>
+                </a:p>
+              </p:txBody>
+            </p:sp>
+            <p:sp>
+              <p:nvSpPr>
+                <p:cNvPr id="10" name="Rectangle 9">
+                  <a:extLst>
+                    <a:ext uri="{FF2B5EF4-FFF2-40B4-BE49-F238E27FC236}">
+                      <a16:creationId xmlns:a16="http://schemas.microsoft.com/office/drawing/2014/main" id="{86746F18-8D48-4C7F-A38F-D4F4D960CFED}"/>
+                    </a:ext>
+                  </a:extLst>
+                </p:cNvPr>
+                <p:cNvSpPr/>
+                <p:nvPr/>
+              </p:nvSpPr>
+              <p:spPr>
+                <a:xfrm>
+                  <a:off x="4900389" y="733425"/>
+                  <a:ext cx="7077075" cy="1266825"/>
+                </a:xfrm>
+                <a:prstGeom prst="rect">
+                  <a:avLst/>
+                </a:prstGeom>
+                <a:solidFill>
+                  <a:schemeClr val="bg1"/>
+                </a:solidFill>
+                <a:ln>
+                  <a:noFill/>
+                </a:ln>
+              </p:spPr>
+              <p:style>
+                <a:lnRef idx="2">
+                  <a:schemeClr val="accent1">
+                    <a:shade val="50000"/>
+                  </a:schemeClr>
+                </a:lnRef>
+                <a:fillRef idx="1">
+                  <a:schemeClr val="accent1"/>
+                </a:fillRef>
+                <a:effectRef idx="0">
+                  <a:schemeClr val="accent1"/>
+                </a:effectRef>
+                <a:fontRef idx="minor">
+                  <a:schemeClr val="lt1"/>
+                </a:fontRef>
+              </p:style>
+              <p:txBody>
+                <a:bodyPr rtlCol="0" anchor="ctr"/>
+                <a:lstStyle/>
+                <a:p>
+                  <a:pPr algn="ctr"/>
+                  <a:endParaRPr lang="en-IN" dirty="0"/>
+                </a:p>
+              </p:txBody>
+            </p:sp>
+            <p:sp>
+              <p:nvSpPr>
+                <p:cNvPr id="14" name="Rectangle 13">
+                  <a:extLst>
+                    <a:ext uri="{FF2B5EF4-FFF2-40B4-BE49-F238E27FC236}">
+                      <a16:creationId xmlns:a16="http://schemas.microsoft.com/office/drawing/2014/main" id="{A0D8861B-3F1E-404C-ADF5-C164242200C4}"/>
+                    </a:ext>
+                  </a:extLst>
+                </p:cNvPr>
+                <p:cNvSpPr/>
+                <p:nvPr/>
+              </p:nvSpPr>
+              <p:spPr>
+                <a:xfrm>
+                  <a:off x="5062090" y="4857750"/>
+                  <a:ext cx="7077075" cy="1266825"/>
+                </a:xfrm>
+                <a:prstGeom prst="rect">
+                  <a:avLst/>
+                </a:prstGeom>
+                <a:solidFill>
+                  <a:schemeClr val="bg1"/>
+                </a:solidFill>
+                <a:ln>
+                  <a:noFill/>
+                </a:ln>
+              </p:spPr>
+              <p:style>
+                <a:lnRef idx="2">
+                  <a:schemeClr val="accent1">
+                    <a:shade val="50000"/>
+                  </a:schemeClr>
+                </a:lnRef>
+                <a:fillRef idx="1">
+                  <a:schemeClr val="accent1"/>
+                </a:fillRef>
+                <a:effectRef idx="0">
+                  <a:schemeClr val="accent1"/>
+                </a:effectRef>
+                <a:fontRef idx="minor">
+                  <a:schemeClr val="lt1"/>
+                </a:fontRef>
+              </p:style>
+              <p:txBody>
+                <a:bodyPr rtlCol="0" anchor="ctr"/>
+                <a:lstStyle/>
+                <a:p>
+                  <a:pPr algn="ctr"/>
+                  <a:endParaRPr lang="en-IN"/>
+                </a:p>
+              </p:txBody>
+            </p:sp>
+          </p:grpSp>
+          <p:cxnSp>
+            <p:nvCxnSpPr>
+              <p:cNvPr id="23" name="Straight Connector 22">
+                <a:extLst>
+                  <a:ext uri="{FF2B5EF4-FFF2-40B4-BE49-F238E27FC236}">
+                    <a16:creationId xmlns:a16="http://schemas.microsoft.com/office/drawing/2014/main" id="{7D7F555F-18CD-4000-BC89-09EA8BFB3103}"/>
+                  </a:ext>
+                </a:extLst>
+              </p:cNvPr>
+              <p:cNvCxnSpPr>
+                <a:cxnSpLocks/>
+              </p:cNvCxnSpPr>
+              <p:nvPr/>
+            </p:nvCxnSpPr>
+            <p:spPr>
+              <a:xfrm>
+                <a:off x="1807538" y="3390899"/>
+                <a:ext cx="6692625" cy="0"/>
+              </a:xfrm>
+              <a:prstGeom prst="line">
+                <a:avLst/>
+              </a:prstGeom>
+              <a:ln w="38100">
+                <a:solidFill>
+                  <a:schemeClr val="bg2">
+                    <a:lumMod val="10000"/>
+                  </a:schemeClr>
+                </a:solidFill>
+              </a:ln>
+            </p:spPr>
+            <p:style>
+              <a:lnRef idx="1">
+                <a:schemeClr val="accent2"/>
+              </a:lnRef>
+              <a:fillRef idx="0">
+                <a:schemeClr val="accent2"/>
+              </a:fillRef>
+              <a:effectRef idx="0">
+                <a:schemeClr val="accent2"/>
+              </a:effectRef>
+              <a:fontRef idx="minor">
+                <a:schemeClr val="tx1"/>
+              </a:fontRef>
+            </p:style>
+          </p:cxnSp>
+          <p:sp>
+            <p:nvSpPr>
+              <p:cNvPr id="26" name="Oval 25">
+                <a:extLst>
+                  <a:ext uri="{FF2B5EF4-FFF2-40B4-BE49-F238E27FC236}">
+                    <a16:creationId xmlns:a16="http://schemas.microsoft.com/office/drawing/2014/main" id="{7E52B325-2758-4E9A-A970-732CF6730E88}"/>
+                  </a:ext>
+                </a:extLst>
+              </p:cNvPr>
+              <p:cNvSpPr/>
+              <p:nvPr/>
+            </p:nvSpPr>
+            <p:spPr>
+              <a:xfrm>
+                <a:off x="3685192" y="3286125"/>
+                <a:ext cx="161925" cy="190498"/>
+              </a:xfrm>
+              <a:prstGeom prst="ellipse">
+                <a:avLst/>
+              </a:prstGeom>
+              <a:solidFill>
+                <a:srgbClr val="00B0F0"/>
+              </a:solidFill>
+              <a:ln>
+                <a:solidFill>
+                  <a:srgbClr val="C00000"/>
+                </a:solidFill>
+              </a:ln>
+            </p:spPr>
+            <p:style>
+              <a:lnRef idx="2">
+                <a:schemeClr val="accent1">
+                  <a:shade val="50000"/>
+                </a:schemeClr>
+              </a:lnRef>
+              <a:fillRef idx="1">
+                <a:schemeClr val="accent1"/>
+              </a:fillRef>
+              <a:effectRef idx="0">
+                <a:schemeClr val="accent1"/>
+              </a:effectRef>
+              <a:fontRef idx="minor">
+                <a:schemeClr val="lt1"/>
+              </a:fontRef>
+            </p:style>
+            <p:txBody>
+              <a:bodyPr rtlCol="0" anchor="ctr"/>
+              <a:lstStyle/>
+              <a:p>
+                <a:pPr algn="ctr"/>
+                <a:endParaRPr lang="en-IN"/>
+              </a:p>
+            </p:txBody>
+          </p:sp>
+          <p:sp>
+            <p:nvSpPr>
+              <p:cNvPr id="27" name="Oval 26">
+                <a:extLst>
+                  <a:ext uri="{FF2B5EF4-FFF2-40B4-BE49-F238E27FC236}">
+                    <a16:creationId xmlns:a16="http://schemas.microsoft.com/office/drawing/2014/main" id="{DB5E4B23-AC43-4262-8042-8A87A88BCC7D}"/>
+                  </a:ext>
+                </a:extLst>
+              </p:cNvPr>
+              <p:cNvSpPr/>
+              <p:nvPr/>
+            </p:nvSpPr>
+            <p:spPr>
+              <a:xfrm>
+                <a:off x="7904425" y="3286125"/>
+                <a:ext cx="161925" cy="190498"/>
+              </a:xfrm>
+              <a:prstGeom prst="ellipse">
+                <a:avLst/>
+              </a:prstGeom>
+              <a:solidFill>
+                <a:srgbClr val="00B0F0"/>
+              </a:solidFill>
+              <a:ln>
+                <a:solidFill>
+                  <a:srgbClr val="C00000"/>
+                </a:solidFill>
+              </a:ln>
+            </p:spPr>
+            <p:style>
+              <a:lnRef idx="2">
+                <a:schemeClr val="accent1">
+                  <a:shade val="50000"/>
+                </a:schemeClr>
+              </a:lnRef>
+              <a:fillRef idx="1">
+                <a:schemeClr val="accent1"/>
+              </a:fillRef>
+              <a:effectRef idx="0">
+                <a:schemeClr val="accent1"/>
+              </a:effectRef>
+              <a:fontRef idx="minor">
+                <a:schemeClr val="lt1"/>
+              </a:fontRef>
+            </p:style>
+            <p:txBody>
+              <a:bodyPr rtlCol="0" anchor="ctr"/>
+              <a:lstStyle/>
+              <a:p>
+                <a:pPr algn="ctr"/>
+                <a:endParaRPr lang="en-IN"/>
+              </a:p>
+            </p:txBody>
+          </p:sp>
+          <p:sp>
+            <p:nvSpPr>
+              <p:cNvPr id="30" name="TextBox 29">
+                <a:extLst>
+                  <a:ext uri="{FF2B5EF4-FFF2-40B4-BE49-F238E27FC236}">
+                    <a16:creationId xmlns:a16="http://schemas.microsoft.com/office/drawing/2014/main" id="{8942CE69-A395-408A-A197-D27D877BAAD8}"/>
+                  </a:ext>
+                </a:extLst>
+              </p:cNvPr>
+              <p:cNvSpPr txBox="1"/>
+              <p:nvPr/>
+            </p:nvSpPr>
+            <p:spPr>
+              <a:xfrm>
+                <a:off x="3588751" y="3581395"/>
+                <a:ext cx="354806" cy="461665"/>
+              </a:xfrm>
+              <a:prstGeom prst="rect">
+                <a:avLst/>
+              </a:prstGeom>
+              <a:noFill/>
+              <a:ln>
+                <a:noFill/>
+              </a:ln>
+            </p:spPr>
+            <p:txBody>
+              <a:bodyPr wrap="square" rtlCol="0">
+                <a:spAutoFit/>
+              </a:bodyPr>
+              <a:lstStyle/>
+              <a:p>
+                <a:r>
+                  <a:rPr lang="en-US" sz="2400" dirty="0"/>
+                  <a:t>f</a:t>
+                </a:r>
+                <a:endParaRPr lang="en-IN" sz="2400" dirty="0"/>
+              </a:p>
+            </p:txBody>
+          </p:sp>
+          <p:sp>
+            <p:nvSpPr>
+              <p:cNvPr id="31" name="TextBox 30">
+                <a:extLst>
+                  <a:ext uri="{FF2B5EF4-FFF2-40B4-BE49-F238E27FC236}">
+                    <a16:creationId xmlns:a16="http://schemas.microsoft.com/office/drawing/2014/main" id="{204EDD78-9BBF-4C87-9E0D-B6389F1E4AD8}"/>
+                  </a:ext>
+                </a:extLst>
+              </p:cNvPr>
+              <p:cNvSpPr txBox="1"/>
+              <p:nvPr/>
+            </p:nvSpPr>
+            <p:spPr>
+              <a:xfrm>
+                <a:off x="7849539" y="3495668"/>
+                <a:ext cx="354806" cy="461665"/>
+              </a:xfrm>
+              <a:prstGeom prst="rect">
+                <a:avLst/>
+              </a:prstGeom>
+              <a:noFill/>
+              <a:ln>
+                <a:noFill/>
+              </a:ln>
+            </p:spPr>
+            <p:txBody>
+              <a:bodyPr wrap="square" rtlCol="0">
+                <a:spAutoFit/>
+              </a:bodyPr>
+              <a:lstStyle/>
+              <a:p>
+                <a:r>
+                  <a:rPr lang="en-US" sz="2400" dirty="0"/>
+                  <a:t>f</a:t>
+                </a:r>
+                <a:endParaRPr lang="en-IN" sz="2400" dirty="0"/>
+              </a:p>
+            </p:txBody>
+          </p:sp>
+          <p:sp>
+            <p:nvSpPr>
+              <p:cNvPr id="45" name="Oval 44">
+                <a:extLst>
+                  <a:ext uri="{FF2B5EF4-FFF2-40B4-BE49-F238E27FC236}">
+                    <a16:creationId xmlns:a16="http://schemas.microsoft.com/office/drawing/2014/main" id="{73325414-AC95-4618-A59C-B3E74377A23F}"/>
+                  </a:ext>
+                </a:extLst>
+              </p:cNvPr>
+              <p:cNvSpPr/>
+              <p:nvPr/>
+            </p:nvSpPr>
+            <p:spPr>
+              <a:xfrm>
+                <a:off x="6039506" y="3286125"/>
+                <a:ext cx="53799" cy="190498"/>
+              </a:xfrm>
+              <a:prstGeom prst="ellipse">
+                <a:avLst/>
+              </a:prstGeom>
+              <a:solidFill>
+                <a:schemeClr val="bg1"/>
+              </a:solidFill>
+              <a:ln>
+                <a:solidFill>
+                  <a:srgbClr val="C00000"/>
+                </a:solidFill>
+              </a:ln>
+            </p:spPr>
+            <p:style>
+              <a:lnRef idx="2">
+                <a:schemeClr val="accent1">
+                  <a:shade val="50000"/>
+                </a:schemeClr>
+              </a:lnRef>
+              <a:fillRef idx="1">
+                <a:schemeClr val="accent1"/>
+              </a:fillRef>
+              <a:effectRef idx="0">
+                <a:schemeClr val="accent1"/>
+              </a:effectRef>
+              <a:fontRef idx="minor">
+                <a:schemeClr val="lt1"/>
+              </a:fontRef>
+            </p:style>
+            <p:txBody>
+              <a:bodyPr rtlCol="0" anchor="ctr"/>
+              <a:lstStyle/>
+              <a:p>
+                <a:pPr algn="ctr"/>
+                <a:endParaRPr lang="en-IN"/>
+              </a:p>
+            </p:txBody>
+          </p:sp>
+          <p:grpSp>
+            <p:nvGrpSpPr>
+              <p:cNvPr id="29" name="Group 28">
+                <a:extLst>
+                  <a:ext uri="{FF2B5EF4-FFF2-40B4-BE49-F238E27FC236}">
+                    <a16:creationId xmlns:a16="http://schemas.microsoft.com/office/drawing/2014/main" id="{6463B878-BB50-4A70-801F-F4D294D72C31}"/>
+                  </a:ext>
+                </a:extLst>
+              </p:cNvPr>
+              <p:cNvGrpSpPr/>
+              <p:nvPr/>
+            </p:nvGrpSpPr>
+            <p:grpSpPr>
+              <a:xfrm>
+                <a:off x="1807538" y="2253182"/>
+                <a:ext cx="4282639" cy="2147368"/>
+                <a:chOff x="1893263" y="2634182"/>
+                <a:chExt cx="4282639" cy="2147368"/>
+              </a:xfrm>
+            </p:grpSpPr>
+            <p:cxnSp>
+              <p:nvCxnSpPr>
+                <p:cNvPr id="33" name="Straight Arrow Connector 32">
+                  <a:extLst>
+                    <a:ext uri="{FF2B5EF4-FFF2-40B4-BE49-F238E27FC236}">
+                      <a16:creationId xmlns:a16="http://schemas.microsoft.com/office/drawing/2014/main" id="{13958BDC-5AC5-4B4F-80F7-F42E78CD0B6F}"/>
+                    </a:ext>
+                  </a:extLst>
+                </p:cNvPr>
+                <p:cNvCxnSpPr/>
+                <p:nvPr/>
+              </p:nvCxnSpPr>
+              <p:spPr>
+                <a:xfrm>
+                  <a:off x="1893263" y="2634182"/>
+                  <a:ext cx="4236464" cy="0"/>
+                </a:xfrm>
+                <a:prstGeom prst="straightConnector1">
+                  <a:avLst/>
+                </a:prstGeom>
+                <a:ln w="28575">
+                  <a:tailEnd type="triangle"/>
+                </a:ln>
+              </p:spPr>
+              <p:style>
+                <a:lnRef idx="1">
+                  <a:schemeClr val="accent2"/>
+                </a:lnRef>
+                <a:fillRef idx="0">
+                  <a:schemeClr val="accent2"/>
+                </a:fillRef>
+                <a:effectRef idx="0">
+                  <a:schemeClr val="accent2"/>
+                </a:effectRef>
+                <a:fontRef idx="minor">
+                  <a:schemeClr val="tx1"/>
+                </a:fontRef>
+              </p:style>
+            </p:cxnSp>
+            <p:cxnSp>
+              <p:nvCxnSpPr>
+                <p:cNvPr id="34" name="Straight Arrow Connector 33">
+                  <a:extLst>
+                    <a:ext uri="{FF2B5EF4-FFF2-40B4-BE49-F238E27FC236}">
+                      <a16:creationId xmlns:a16="http://schemas.microsoft.com/office/drawing/2014/main" id="{A4988995-9F26-4C76-980E-6F8D96DF7B51}"/>
+                    </a:ext>
+                  </a:extLst>
+                </p:cNvPr>
+                <p:cNvCxnSpPr/>
+                <p:nvPr/>
+              </p:nvCxnSpPr>
+              <p:spPr>
+                <a:xfrm>
+                  <a:off x="1939438" y="4780298"/>
+                  <a:ext cx="4236464" cy="0"/>
+                </a:xfrm>
+                <a:prstGeom prst="straightConnector1">
+                  <a:avLst/>
+                </a:prstGeom>
+                <a:ln w="28575">
+                  <a:tailEnd type="triangle"/>
+                </a:ln>
+              </p:spPr>
+              <p:style>
+                <a:lnRef idx="1">
+                  <a:schemeClr val="accent2"/>
+                </a:lnRef>
+                <a:fillRef idx="0">
+                  <a:schemeClr val="accent2"/>
+                </a:fillRef>
+                <a:effectRef idx="0">
+                  <a:schemeClr val="accent2"/>
+                </a:effectRef>
+                <a:fontRef idx="minor">
+                  <a:schemeClr val="tx1"/>
+                </a:fontRef>
+              </p:style>
+            </p:cxnSp>
+            <p:cxnSp>
+              <p:nvCxnSpPr>
+                <p:cNvPr id="35" name="Straight Arrow Connector 34">
+                  <a:extLst>
+                    <a:ext uri="{FF2B5EF4-FFF2-40B4-BE49-F238E27FC236}">
+                      <a16:creationId xmlns:a16="http://schemas.microsoft.com/office/drawing/2014/main" id="{688FAC81-2B6C-4273-9840-2E708A2F402E}"/>
+                    </a:ext>
+                  </a:extLst>
+                </p:cNvPr>
+                <p:cNvCxnSpPr/>
+                <p:nvPr/>
+              </p:nvCxnSpPr>
+              <p:spPr>
+                <a:xfrm>
+                  <a:off x="2992300" y="2638425"/>
+                  <a:ext cx="762000" cy="0"/>
+                </a:xfrm>
+                <a:prstGeom prst="straightConnector1">
+                  <a:avLst/>
+                </a:prstGeom>
+                <a:ln w="28575">
+                  <a:tailEnd type="triangle"/>
+                </a:ln>
+              </p:spPr>
+              <p:style>
+                <a:lnRef idx="1">
+                  <a:schemeClr val="accent2"/>
+                </a:lnRef>
+                <a:fillRef idx="0">
+                  <a:schemeClr val="accent2"/>
+                </a:fillRef>
+                <a:effectRef idx="0">
+                  <a:schemeClr val="accent2"/>
+                </a:effectRef>
+                <a:fontRef idx="minor">
+                  <a:schemeClr val="tx1"/>
+                </a:fontRef>
+              </p:style>
+            </p:cxnSp>
+            <p:cxnSp>
+              <p:nvCxnSpPr>
+                <p:cNvPr id="39" name="Straight Arrow Connector 38">
+                  <a:extLst>
+                    <a:ext uri="{FF2B5EF4-FFF2-40B4-BE49-F238E27FC236}">
+                      <a16:creationId xmlns:a16="http://schemas.microsoft.com/office/drawing/2014/main" id="{60F4E9E1-C472-4BC8-B630-5447A7874142}"/>
+                    </a:ext>
+                  </a:extLst>
+                </p:cNvPr>
+                <p:cNvCxnSpPr/>
+                <p:nvPr/>
+              </p:nvCxnSpPr>
+              <p:spPr>
+                <a:xfrm>
+                  <a:off x="3171825" y="4781550"/>
+                  <a:ext cx="762000" cy="0"/>
+                </a:xfrm>
+                <a:prstGeom prst="straightConnector1">
+                  <a:avLst/>
+                </a:prstGeom>
+                <a:ln w="28575">
+                  <a:tailEnd type="triangle"/>
+                </a:ln>
+              </p:spPr>
+              <p:style>
+                <a:lnRef idx="1">
+                  <a:schemeClr val="accent2"/>
+                </a:lnRef>
+                <a:fillRef idx="0">
+                  <a:schemeClr val="accent2"/>
+                </a:fillRef>
+                <a:effectRef idx="0">
+                  <a:schemeClr val="accent2"/>
+                </a:effectRef>
+                <a:fontRef idx="minor">
+                  <a:schemeClr val="tx1"/>
+                </a:fontRef>
+              </p:style>
+            </p:cxnSp>
+          </p:grpSp>
+        </p:grpSp>
+        <p:grpSp>
+          <p:nvGrpSpPr>
+            <p:cNvPr id="21" name="Group 20">
+              <a:extLst>
+                <a:ext uri="{FF2B5EF4-FFF2-40B4-BE49-F238E27FC236}">
+                  <a16:creationId xmlns:a16="http://schemas.microsoft.com/office/drawing/2014/main" id="{6B5FECCF-ACE6-470C-B13E-BC5697539305}"/>
+                </a:ext>
+              </a:extLst>
+            </p:cNvPr>
+            <p:cNvGrpSpPr/>
+            <p:nvPr/>
+          </p:nvGrpSpPr>
+          <p:grpSpPr>
+            <a:xfrm>
+              <a:off x="3752805" y="1137180"/>
+              <a:ext cx="4663047" cy="2232005"/>
+              <a:chOff x="3752805" y="1137180"/>
+              <a:chExt cx="4663047" cy="2232005"/>
+            </a:xfrm>
+          </p:grpSpPr>
+          <p:cxnSp>
+            <p:nvCxnSpPr>
+              <p:cNvPr id="12" name="Straight Arrow Connector 11">
+                <a:extLst>
+                  <a:ext uri="{FF2B5EF4-FFF2-40B4-BE49-F238E27FC236}">
+                    <a16:creationId xmlns:a16="http://schemas.microsoft.com/office/drawing/2014/main" id="{110F5FF5-C40B-49C8-836C-1B9CF7234DB5}"/>
+                  </a:ext>
+                </a:extLst>
+              </p:cNvPr>
+              <p:cNvCxnSpPr>
+                <a:cxnSpLocks/>
+              </p:cNvCxnSpPr>
+              <p:nvPr/>
+            </p:nvCxnSpPr>
+            <p:spPr>
+              <a:xfrm flipV="1">
+                <a:off x="6047163" y="1137180"/>
+                <a:ext cx="2368689" cy="1108434"/>
+              </a:xfrm>
+              <a:prstGeom prst="straightConnector1">
+                <a:avLst/>
+              </a:prstGeom>
+              <a:ln w="28575">
+                <a:tailEnd type="triangle"/>
+              </a:ln>
+            </p:spPr>
+            <p:style>
+              <a:lnRef idx="1">
+                <a:schemeClr val="accent2"/>
+              </a:lnRef>
+              <a:fillRef idx="0">
+                <a:schemeClr val="accent2"/>
+              </a:fillRef>
+              <a:effectRef idx="0">
+                <a:schemeClr val="accent2"/>
+              </a:effectRef>
+              <a:fontRef idx="minor">
+                <a:schemeClr val="tx1"/>
+              </a:fontRef>
+            </p:style>
+          </p:cxnSp>
+          <p:cxnSp>
+            <p:nvCxnSpPr>
+              <p:cNvPr id="40" name="Straight Arrow Connector 39">
+                <a:extLst>
+                  <a:ext uri="{FF2B5EF4-FFF2-40B4-BE49-F238E27FC236}">
+                    <a16:creationId xmlns:a16="http://schemas.microsoft.com/office/drawing/2014/main" id="{EE0E2AE4-09DE-4840-B98C-4A330AC802CB}"/>
+                  </a:ext>
+                </a:extLst>
+              </p:cNvPr>
+              <p:cNvCxnSpPr>
+                <a:cxnSpLocks/>
+              </p:cNvCxnSpPr>
+              <p:nvPr/>
+            </p:nvCxnSpPr>
+            <p:spPr>
+              <a:xfrm flipV="1">
+                <a:off x="3752805" y="2040825"/>
+                <a:ext cx="2717780" cy="1328360"/>
+              </a:xfrm>
+              <a:prstGeom prst="straightConnector1">
+                <a:avLst/>
+              </a:prstGeom>
+              <a:ln w="28575">
+                <a:prstDash val="sysDash"/>
+                <a:tailEnd type="triangle"/>
+              </a:ln>
+            </p:spPr>
+            <p:style>
+              <a:lnRef idx="1">
+                <a:schemeClr val="accent2"/>
+              </a:lnRef>
+              <a:fillRef idx="0">
+                <a:schemeClr val="accent2"/>
+              </a:fillRef>
+              <a:effectRef idx="0">
+                <a:schemeClr val="accent2"/>
+              </a:effectRef>
+              <a:fontRef idx="minor">
+                <a:schemeClr val="tx1"/>
+              </a:fontRef>
+            </p:style>
+          </p:cxnSp>
+        </p:grpSp>
+      </p:grpSp>
+      <p:grpSp>
+        <p:nvGrpSpPr>
+          <p:cNvPr id="47" name="Group 46">
+            <a:extLst>
+              <a:ext uri="{FF2B5EF4-FFF2-40B4-BE49-F238E27FC236}">
+                <a16:creationId xmlns:a16="http://schemas.microsoft.com/office/drawing/2014/main" id="{682D8D8F-F5F3-420E-A3E0-46406883F522}"/>
+              </a:ext>
+            </a:extLst>
+          </p:cNvPr>
+          <p:cNvGrpSpPr/>
+          <p:nvPr/>
+        </p:nvGrpSpPr>
+        <p:grpSpPr>
+          <a:xfrm rot="2996507">
+            <a:off x="3769117" y="3327929"/>
+            <a:ext cx="4663047" cy="2232005"/>
+            <a:chOff x="3752805" y="1137180"/>
+            <a:chExt cx="4663047" cy="2232005"/>
+          </a:xfrm>
+        </p:grpSpPr>
+        <p:cxnSp>
+          <p:nvCxnSpPr>
+            <p:cNvPr id="49" name="Straight Arrow Connector 48">
+              <a:extLst>
+                <a:ext uri="{FF2B5EF4-FFF2-40B4-BE49-F238E27FC236}">
+                  <a16:creationId xmlns:a16="http://schemas.microsoft.com/office/drawing/2014/main" id="{B685B0AB-E062-4CF3-B5FC-3C24A1777ACA}"/>
+                </a:ext>
+              </a:extLst>
+            </p:cNvPr>
+            <p:cNvCxnSpPr>
+              <a:cxnSpLocks/>
+            </p:cNvCxnSpPr>
+            <p:nvPr/>
+          </p:nvCxnSpPr>
+          <p:spPr>
+            <a:xfrm flipV="1">
+              <a:off x="6047163" y="1137180"/>
+              <a:ext cx="2368689" cy="1108434"/>
+            </a:xfrm>
+            <a:prstGeom prst="straightConnector1">
+              <a:avLst/>
+            </a:prstGeom>
+            <a:ln w="28575">
+              <a:tailEnd type="triangle"/>
+            </a:ln>
+          </p:spPr>
+          <p:style>
+            <a:lnRef idx="1">
+              <a:schemeClr val="accent2"/>
+            </a:lnRef>
+            <a:fillRef idx="0">
+              <a:schemeClr val="accent2"/>
+            </a:fillRef>
+            <a:effectRef idx="0">
+              <a:schemeClr val="accent2"/>
+            </a:effectRef>
+            <a:fontRef idx="minor">
+              <a:schemeClr val="tx1"/>
+            </a:fontRef>
+          </p:style>
+        </p:cxnSp>
+        <p:cxnSp>
+          <p:nvCxnSpPr>
+            <p:cNvPr id="51" name="Straight Arrow Connector 50">
+              <a:extLst>
+                <a:ext uri="{FF2B5EF4-FFF2-40B4-BE49-F238E27FC236}">
+                  <a16:creationId xmlns:a16="http://schemas.microsoft.com/office/drawing/2014/main" id="{28F319E8-83AA-4B2B-9E0B-FAC2940160F4}"/>
+                </a:ext>
+              </a:extLst>
+            </p:cNvPr>
+            <p:cNvCxnSpPr>
+              <a:cxnSpLocks/>
+            </p:cNvCxnSpPr>
+            <p:nvPr/>
+          </p:nvCxnSpPr>
+          <p:spPr>
+            <a:xfrm flipV="1">
+              <a:off x="3752805" y="2040825"/>
+              <a:ext cx="2717780" cy="1328360"/>
+            </a:xfrm>
+            <a:prstGeom prst="straightConnector1">
+              <a:avLst/>
+            </a:prstGeom>
+            <a:ln w="28575">
+              <a:prstDash val="sysDash"/>
+              <a:tailEnd type="triangle"/>
+            </a:ln>
+          </p:spPr>
+          <p:style>
+            <a:lnRef idx="1">
+              <a:schemeClr val="accent2"/>
+            </a:lnRef>
+            <a:fillRef idx="0">
+              <a:schemeClr val="accent2"/>
+            </a:fillRef>
+            <a:effectRef idx="0">
+              <a:schemeClr val="accent2"/>
+            </a:effectRef>
+            <a:fontRef idx="minor">
+              <a:schemeClr val="tx1"/>
+            </a:fontRef>
+          </p:style>
+        </p:cxnSp>
+      </p:grpSp>
+      <p:sp>
+        <p:nvSpPr>
+          <p:cNvPr id="52" name="TextBox 51">
+            <a:extLst>
+              <a:ext uri="{FF2B5EF4-FFF2-40B4-BE49-F238E27FC236}">
+                <a16:creationId xmlns:a16="http://schemas.microsoft.com/office/drawing/2014/main" id="{E575234B-B546-47F0-BE35-498F42EA3DE9}"/>
+              </a:ext>
+            </a:extLst>
+          </p:cNvPr>
+          <p:cNvSpPr txBox="1"/>
+          <p:nvPr/>
+        </p:nvSpPr>
+        <p:spPr>
+          <a:xfrm>
+            <a:off x="2216401" y="2780198"/>
+            <a:ext cx="2430328" cy="461665"/>
+          </a:xfrm>
+          <a:prstGeom prst="rect">
+            <a:avLst/>
+          </a:prstGeom>
+          <a:noFill/>
+          <a:ln>
+            <a:noFill/>
+          </a:ln>
+        </p:spPr>
+        <p:txBody>
+          <a:bodyPr wrap="square" rtlCol="0">
+            <a:spAutoFit/>
+          </a:bodyPr>
+          <a:lstStyle/>
+          <a:p>
+            <a:r>
+              <a:rPr lang="en-US" sz="2400" dirty="0"/>
+              <a:t>Focus point</a:t>
+            </a:r>
+            <a:endParaRPr lang="en-IN" sz="2400" dirty="0"/>
+          </a:p>
+        </p:txBody>
+      </p:sp>
+    </p:spTree>
+    <p:extLst>
+      <p:ext uri="{BB962C8B-B14F-4D97-AF65-F5344CB8AC3E}">
+        <p14:creationId xmlns:p14="http://schemas.microsoft.com/office/powerpoint/2010/main" val="139348708"/>
+      </p:ext>
+    </p:extLst>
+  </p:cSld>
+  <p:clrMapOvr>
+    <a:masterClrMapping/>
+  </p:clrMapOvr>
+</p:sld>
+</file>
+
+<file path=ppt/slides/slide5.xml><?xml version="1.0" encoding="utf-8"?>
+<p:sld xmlns:a="http://schemas.openxmlformats.org/drawingml/2006/main" xmlns:r="http://schemas.openxmlformats.org/officeDocument/2006/relationships" xmlns:p="http://schemas.openxmlformats.org/presentationml/2006/main">
+  <p:cSld>
+    <p:spTree>
+      <p:nvGrpSpPr>
+        <p:cNvPr id="1" name=""/>
+        <p:cNvGrpSpPr/>
+        <p:nvPr/>
+      </p:nvGrpSpPr>
+      <p:grpSpPr>
+        <a:xfrm>
+          <a:off x="0" y="0"/>
+          <a:ext cx="0" cy="0"/>
+          <a:chOff x="0" y="0"/>
+          <a:chExt cx="0" cy="0"/>
+        </a:xfrm>
+      </p:grpSpPr>
+      <p:sp>
+        <p:nvSpPr>
+          <p:cNvPr id="28" name="TextBox 27">
+            <a:extLst>
+              <a:ext uri="{FF2B5EF4-FFF2-40B4-BE49-F238E27FC236}">
+                <a16:creationId xmlns:a16="http://schemas.microsoft.com/office/drawing/2014/main" id="{2B833E3C-ADFB-42F1-806D-86702E099E6C}"/>
+              </a:ext>
+            </a:extLst>
+          </p:cNvPr>
+          <p:cNvSpPr txBox="1"/>
+          <p:nvPr/>
+        </p:nvSpPr>
+        <p:spPr>
+          <a:xfrm>
+            <a:off x="3620950" y="3871993"/>
+            <a:ext cx="354806" cy="461665"/>
+          </a:xfrm>
+          <a:prstGeom prst="rect">
+            <a:avLst/>
+          </a:prstGeom>
+          <a:noFill/>
+          <a:ln>
+            <a:noFill/>
+          </a:ln>
+        </p:spPr>
+        <p:txBody>
+          <a:bodyPr wrap="square" rtlCol="0">
+            <a:spAutoFit/>
+          </a:bodyPr>
+          <a:lstStyle/>
+          <a:p>
+            <a:r>
+              <a:rPr lang="en-US" sz="2400" dirty="0"/>
+              <a:t>f</a:t>
+            </a:r>
+            <a:endParaRPr lang="en-IN" sz="2400" dirty="0"/>
+          </a:p>
+        </p:txBody>
+      </p:sp>
+      <p:sp>
+        <p:nvSpPr>
+          <p:cNvPr id="32" name="TextBox 31">
+            <a:extLst>
+              <a:ext uri="{FF2B5EF4-FFF2-40B4-BE49-F238E27FC236}">
+                <a16:creationId xmlns:a16="http://schemas.microsoft.com/office/drawing/2014/main" id="{A1464CB8-6C26-4C74-94D7-7C0455002509}"/>
+              </a:ext>
+            </a:extLst>
+          </p:cNvPr>
+          <p:cNvSpPr txBox="1"/>
+          <p:nvPr/>
+        </p:nvSpPr>
+        <p:spPr>
+          <a:xfrm>
+            <a:off x="8056439" y="3774950"/>
+            <a:ext cx="354806" cy="461665"/>
+          </a:xfrm>
+          <a:prstGeom prst="rect">
+            <a:avLst/>
+          </a:prstGeom>
+          <a:noFill/>
+          <a:ln>
+            <a:noFill/>
+          </a:ln>
+        </p:spPr>
+        <p:txBody>
+          <a:bodyPr wrap="square" rtlCol="0">
+            <a:spAutoFit/>
+          </a:bodyPr>
+          <a:lstStyle/>
+          <a:p>
+            <a:r>
+              <a:rPr lang="en-US" sz="2400" dirty="0"/>
+              <a:t>f</a:t>
+            </a:r>
+            <a:endParaRPr lang="en-IN" sz="2400" dirty="0"/>
+          </a:p>
+        </p:txBody>
+      </p:sp>
+      <p:sp>
+        <p:nvSpPr>
+          <p:cNvPr id="37" name="TextBox 36">
+            <a:extLst>
+              <a:ext uri="{FF2B5EF4-FFF2-40B4-BE49-F238E27FC236}">
+                <a16:creationId xmlns:a16="http://schemas.microsoft.com/office/drawing/2014/main" id="{41F7A06D-3D4D-4FC9-9C80-CF1DECDB3C31}"/>
+              </a:ext>
+            </a:extLst>
+          </p:cNvPr>
+          <p:cNvSpPr txBox="1"/>
+          <p:nvPr/>
+        </p:nvSpPr>
+        <p:spPr>
+          <a:xfrm>
+            <a:off x="8091274" y="4780298"/>
+            <a:ext cx="2430328" cy="461665"/>
+          </a:xfrm>
+          <a:prstGeom prst="rect">
+            <a:avLst/>
+          </a:prstGeom>
+          <a:noFill/>
+          <a:ln>
+            <a:noFill/>
+          </a:ln>
+        </p:spPr>
+        <p:txBody>
+          <a:bodyPr wrap="square" rtlCol="0">
+            <a:spAutoFit/>
+          </a:bodyPr>
+          <a:lstStyle/>
+          <a:p>
+            <a:r>
+              <a:rPr lang="en-US" sz="2400" dirty="0"/>
+              <a:t>Focus point</a:t>
+            </a:r>
+            <a:endParaRPr lang="en-IN" sz="2400" dirty="0"/>
+          </a:p>
+        </p:txBody>
+      </p:sp>
+      <p:sp>
+        <p:nvSpPr>
+          <p:cNvPr id="4" name="Oval 3">
+            <a:extLst>
+              <a:ext uri="{FF2B5EF4-FFF2-40B4-BE49-F238E27FC236}">
+                <a16:creationId xmlns:a16="http://schemas.microsoft.com/office/drawing/2014/main" id="{F9707F37-3E55-4165-9CAA-85C480A78023}"/>
+              </a:ext>
+            </a:extLst>
+          </p:cNvPr>
+          <p:cNvSpPr/>
+          <p:nvPr/>
+        </p:nvSpPr>
+        <p:spPr>
+          <a:xfrm>
+            <a:off x="5994927" y="1954641"/>
+            <a:ext cx="267542" cy="3467100"/>
+          </a:xfrm>
+          <a:prstGeom prst="ellipse">
+            <a:avLst/>
+          </a:prstGeom>
+        </p:spPr>
+        <p:style>
+          <a:lnRef idx="2">
+            <a:schemeClr val="accent1">
+              <a:shade val="50000"/>
+            </a:schemeClr>
+          </a:lnRef>
+          <a:fillRef idx="1">
+            <a:schemeClr val="accent1"/>
+          </a:fillRef>
+          <a:effectRef idx="0">
+            <a:schemeClr val="accent1"/>
+          </a:effectRef>
+          <a:fontRef idx="minor">
+            <a:schemeClr val="lt1"/>
+          </a:fontRef>
+        </p:style>
+        <p:txBody>
+          <a:bodyPr rtlCol="0" anchor="ctr"/>
+          <a:lstStyle/>
+          <a:p>
+            <a:pPr algn="ctr"/>
+            <a:endParaRPr lang="en-IN"/>
+          </a:p>
+        </p:txBody>
+      </p:sp>
+      <p:cxnSp>
+        <p:nvCxnSpPr>
+          <p:cNvPr id="17" name="Straight Connector 16">
+            <a:extLst>
+              <a:ext uri="{FF2B5EF4-FFF2-40B4-BE49-F238E27FC236}">
+                <a16:creationId xmlns:a16="http://schemas.microsoft.com/office/drawing/2014/main" id="{CAC2E47D-E731-4050-9C72-7236028A7F16}"/>
+              </a:ext>
+            </a:extLst>
+          </p:cNvPr>
+          <p:cNvCxnSpPr>
+            <a:cxnSpLocks/>
+          </p:cNvCxnSpPr>
+          <p:nvPr/>
+        </p:nvCxnSpPr>
+        <p:spPr>
+          <a:xfrm>
+            <a:off x="1857375" y="3707240"/>
+            <a:ext cx="8277225" cy="0"/>
+          </a:xfrm>
+          <a:prstGeom prst="line">
+            <a:avLst/>
+          </a:prstGeom>
+          <a:ln w="38100">
+            <a:solidFill>
+              <a:schemeClr val="bg2">
+                <a:lumMod val="10000"/>
+              </a:schemeClr>
+            </a:solidFill>
+          </a:ln>
+        </p:spPr>
+        <p:style>
+          <a:lnRef idx="1">
+            <a:schemeClr val="accent2"/>
+          </a:lnRef>
+          <a:fillRef idx="0">
+            <a:schemeClr val="accent2"/>
+          </a:fillRef>
+          <a:effectRef idx="0">
+            <a:schemeClr val="accent2"/>
+          </a:effectRef>
+          <a:fontRef idx="minor">
+            <a:schemeClr val="tx1"/>
+          </a:fontRef>
+        </p:style>
+      </p:cxnSp>
+      <p:sp>
+        <p:nvSpPr>
+          <p:cNvPr id="24" name="Oval 23">
+            <a:extLst>
+              <a:ext uri="{FF2B5EF4-FFF2-40B4-BE49-F238E27FC236}">
+                <a16:creationId xmlns:a16="http://schemas.microsoft.com/office/drawing/2014/main" id="{977F2612-8689-4F43-8BB1-DD16F40F0780}"/>
+              </a:ext>
+            </a:extLst>
+          </p:cNvPr>
+          <p:cNvSpPr/>
+          <p:nvPr/>
+        </p:nvSpPr>
+        <p:spPr>
+          <a:xfrm>
+            <a:off x="3701711" y="3611991"/>
+            <a:ext cx="162436" cy="190498"/>
+          </a:xfrm>
+          <a:prstGeom prst="ellipse">
+            <a:avLst/>
+          </a:prstGeom>
+        </p:spPr>
+        <p:style>
+          <a:lnRef idx="2">
+            <a:schemeClr val="accent1">
+              <a:shade val="50000"/>
+            </a:schemeClr>
+          </a:lnRef>
+          <a:fillRef idx="1">
+            <a:schemeClr val="accent1"/>
+          </a:fillRef>
+          <a:effectRef idx="0">
+            <a:schemeClr val="accent1"/>
+          </a:effectRef>
+          <a:fontRef idx="minor">
+            <a:schemeClr val="lt1"/>
+          </a:fontRef>
+        </p:style>
+        <p:txBody>
+          <a:bodyPr rtlCol="0" anchor="ctr"/>
+          <a:lstStyle/>
+          <a:p>
+            <a:pPr algn="ctr"/>
+            <a:endParaRPr lang="en-IN"/>
+          </a:p>
+        </p:txBody>
+      </p:sp>
+      <p:sp>
+        <p:nvSpPr>
+          <p:cNvPr id="25" name="Oval 24">
+            <a:extLst>
+              <a:ext uri="{FF2B5EF4-FFF2-40B4-BE49-F238E27FC236}">
+                <a16:creationId xmlns:a16="http://schemas.microsoft.com/office/drawing/2014/main" id="{41BD6367-15BC-42D6-B874-33F28D6EE185}"/>
+              </a:ext>
+            </a:extLst>
+          </p:cNvPr>
+          <p:cNvSpPr/>
+          <p:nvPr/>
+        </p:nvSpPr>
+        <p:spPr>
+          <a:xfrm>
+            <a:off x="8159149" y="3611991"/>
+            <a:ext cx="162436" cy="190498"/>
+          </a:xfrm>
+          <a:prstGeom prst="ellipse">
+            <a:avLst/>
+          </a:prstGeom>
+          <a:solidFill>
+            <a:srgbClr val="00B0F0"/>
+          </a:solidFill>
+          <a:ln>
+            <a:solidFill>
+              <a:srgbClr val="C00000"/>
+            </a:solidFill>
+          </a:ln>
+        </p:spPr>
+        <p:style>
+          <a:lnRef idx="2">
+            <a:schemeClr val="accent1">
+              <a:shade val="50000"/>
+            </a:schemeClr>
+          </a:lnRef>
+          <a:fillRef idx="1">
+            <a:schemeClr val="accent1"/>
+          </a:fillRef>
+          <a:effectRef idx="0">
+            <a:schemeClr val="accent1"/>
+          </a:effectRef>
+          <a:fontRef idx="minor">
+            <a:schemeClr val="lt1"/>
+          </a:fontRef>
+        </p:style>
+        <p:txBody>
+          <a:bodyPr rtlCol="0" anchor="ctr"/>
+          <a:lstStyle/>
+          <a:p>
+            <a:pPr algn="ctr"/>
+            <a:endParaRPr lang="en-IN"/>
+          </a:p>
+        </p:txBody>
+      </p:sp>
+      <p:sp>
+        <p:nvSpPr>
+          <p:cNvPr id="44" name="Oval 43">
+            <a:extLst>
+              <a:ext uri="{FF2B5EF4-FFF2-40B4-BE49-F238E27FC236}">
+                <a16:creationId xmlns:a16="http://schemas.microsoft.com/office/drawing/2014/main" id="{CC5E0E9A-3F15-4249-9F7E-4AD3822AEA5C}"/>
+              </a:ext>
+            </a:extLst>
+          </p:cNvPr>
+          <p:cNvSpPr/>
+          <p:nvPr/>
+        </p:nvSpPr>
+        <p:spPr>
+          <a:xfrm>
+            <a:off x="6093839" y="3602466"/>
+            <a:ext cx="53969" cy="190498"/>
+          </a:xfrm>
+          <a:prstGeom prst="ellipse">
+            <a:avLst/>
+          </a:prstGeom>
+          <a:solidFill>
+            <a:schemeClr val="bg1"/>
+          </a:solidFill>
+          <a:ln>
+            <a:solidFill>
+              <a:srgbClr val="C00000"/>
+            </a:solidFill>
+          </a:ln>
+        </p:spPr>
+        <p:style>
+          <a:lnRef idx="2">
+            <a:schemeClr val="accent1">
+              <a:shade val="50000"/>
+            </a:schemeClr>
+          </a:lnRef>
+          <a:fillRef idx="1">
+            <a:schemeClr val="accent1"/>
+          </a:fillRef>
+          <a:effectRef idx="0">
+            <a:schemeClr val="accent1"/>
+          </a:effectRef>
+          <a:fontRef idx="minor">
+            <a:schemeClr val="lt1"/>
+          </a:fontRef>
+        </p:style>
+        <p:txBody>
+          <a:bodyPr rtlCol="0" anchor="ctr"/>
+          <a:lstStyle/>
+          <a:p>
+            <a:pPr algn="ctr"/>
+            <a:endParaRPr lang="en-IN"/>
+          </a:p>
+        </p:txBody>
+      </p:sp>
+      <p:cxnSp>
+        <p:nvCxnSpPr>
+          <p:cNvPr id="34" name="Straight Arrow Connector 33">
+            <a:extLst>
+              <a:ext uri="{FF2B5EF4-FFF2-40B4-BE49-F238E27FC236}">
+                <a16:creationId xmlns:a16="http://schemas.microsoft.com/office/drawing/2014/main" id="{E9D88174-25D3-4AA8-8A18-812B08AD5ACD}"/>
+              </a:ext>
+            </a:extLst>
+          </p:cNvPr>
+          <p:cNvCxnSpPr>
+            <a:cxnSpLocks/>
+          </p:cNvCxnSpPr>
+          <p:nvPr/>
+        </p:nvCxnSpPr>
+        <p:spPr>
+          <a:xfrm>
+            <a:off x="6107867" y="2634182"/>
+            <a:ext cx="3502858" cy="1747318"/>
+          </a:xfrm>
+          <a:prstGeom prst="straightConnector1">
+            <a:avLst/>
+          </a:prstGeom>
+          <a:ln w="28575">
+            <a:tailEnd type="triangle"/>
+          </a:ln>
+        </p:spPr>
+        <p:style>
+          <a:lnRef idx="1">
+            <a:schemeClr val="accent2"/>
+          </a:lnRef>
+          <a:fillRef idx="0">
+            <a:schemeClr val="accent2"/>
+          </a:fillRef>
+          <a:effectRef idx="0">
+            <a:schemeClr val="accent2"/>
+          </a:effectRef>
+          <a:fontRef idx="minor">
+            <a:schemeClr val="tx1"/>
+          </a:fontRef>
+        </p:style>
+      </p:cxnSp>
+      <p:cxnSp>
+        <p:nvCxnSpPr>
+          <p:cNvPr id="39" name="Straight Arrow Connector 38">
+            <a:extLst>
+              <a:ext uri="{FF2B5EF4-FFF2-40B4-BE49-F238E27FC236}">
+                <a16:creationId xmlns:a16="http://schemas.microsoft.com/office/drawing/2014/main" id="{3525651F-0EC4-4F0D-9C07-0B86EB92AEF2}"/>
+              </a:ext>
+            </a:extLst>
+          </p:cNvPr>
+          <p:cNvCxnSpPr>
+            <a:cxnSpLocks/>
+          </p:cNvCxnSpPr>
+          <p:nvPr/>
+        </p:nvCxnSpPr>
+        <p:spPr>
+          <a:xfrm flipV="1">
+            <a:off x="6147808" y="2967557"/>
+            <a:ext cx="3462917" cy="1812741"/>
+          </a:xfrm>
+          <a:prstGeom prst="straightConnector1">
+            <a:avLst/>
+          </a:prstGeom>
+          <a:ln w="28575">
+            <a:tailEnd type="triangle"/>
+          </a:ln>
+        </p:spPr>
+        <p:style>
+          <a:lnRef idx="1">
+            <a:schemeClr val="accent2"/>
+          </a:lnRef>
+          <a:fillRef idx="0">
+            <a:schemeClr val="accent2"/>
+          </a:fillRef>
+          <a:effectRef idx="0">
+            <a:schemeClr val="accent2"/>
+          </a:effectRef>
+          <a:fontRef idx="minor">
+            <a:schemeClr val="tx1"/>
+          </a:fontRef>
+        </p:style>
+      </p:cxnSp>
+      <p:grpSp>
+        <p:nvGrpSpPr>
+          <p:cNvPr id="40" name="Group 39">
+            <a:extLst>
+              <a:ext uri="{FF2B5EF4-FFF2-40B4-BE49-F238E27FC236}">
+                <a16:creationId xmlns:a16="http://schemas.microsoft.com/office/drawing/2014/main" id="{E590AA82-005E-4CA7-94F3-6A1FD77196FE}"/>
+              </a:ext>
+            </a:extLst>
+          </p:cNvPr>
+          <p:cNvGrpSpPr/>
+          <p:nvPr/>
+        </p:nvGrpSpPr>
+        <p:grpSpPr>
+          <a:xfrm>
+            <a:off x="1893263" y="2634182"/>
+            <a:ext cx="4282639" cy="2147368"/>
+            <a:chOff x="1893263" y="2634182"/>
+            <a:chExt cx="4282639" cy="2147368"/>
+          </a:xfrm>
+        </p:grpSpPr>
+        <p:cxnSp>
+          <p:nvCxnSpPr>
+            <p:cNvPr id="11" name="Straight Arrow Connector 10">
+              <a:extLst>
+                <a:ext uri="{FF2B5EF4-FFF2-40B4-BE49-F238E27FC236}">
+                  <a16:creationId xmlns:a16="http://schemas.microsoft.com/office/drawing/2014/main" id="{9BC9595A-6594-471F-8B5C-28CEE2296DA9}"/>
+                </a:ext>
+              </a:extLst>
+            </p:cNvPr>
+            <p:cNvCxnSpPr/>
+            <p:nvPr/>
+          </p:nvCxnSpPr>
+          <p:spPr>
+            <a:xfrm>
+              <a:off x="1893263" y="2634182"/>
+              <a:ext cx="4236464" cy="0"/>
+            </a:xfrm>
+            <a:prstGeom prst="straightConnector1">
+              <a:avLst/>
+            </a:prstGeom>
+            <a:ln w="28575">
+              <a:tailEnd type="triangle"/>
+            </a:ln>
+          </p:spPr>
+          <p:style>
+            <a:lnRef idx="1">
+              <a:schemeClr val="accent2"/>
+            </a:lnRef>
+            <a:fillRef idx="0">
+              <a:schemeClr val="accent2"/>
+            </a:fillRef>
+            <a:effectRef idx="0">
+              <a:schemeClr val="accent2"/>
+            </a:effectRef>
+            <a:fontRef idx="minor">
+              <a:schemeClr val="tx1"/>
+            </a:fontRef>
+          </p:style>
+        </p:cxnSp>
+        <p:cxnSp>
+          <p:nvCxnSpPr>
+            <p:cNvPr id="33" name="Straight Arrow Connector 32">
+              <a:extLst>
+                <a:ext uri="{FF2B5EF4-FFF2-40B4-BE49-F238E27FC236}">
+                  <a16:creationId xmlns:a16="http://schemas.microsoft.com/office/drawing/2014/main" id="{53ABFB7E-B780-4E24-9757-B010877E2F4A}"/>
+                </a:ext>
+              </a:extLst>
+            </p:cNvPr>
+            <p:cNvCxnSpPr/>
+            <p:nvPr/>
+          </p:nvCxnSpPr>
+          <p:spPr>
+            <a:xfrm>
+              <a:off x="1939438" y="4780298"/>
+              <a:ext cx="4236464" cy="0"/>
+            </a:xfrm>
+            <a:prstGeom prst="straightConnector1">
+              <a:avLst/>
+            </a:prstGeom>
+            <a:ln w="28575">
+              <a:tailEnd type="triangle"/>
+            </a:ln>
+          </p:spPr>
+          <p:style>
+            <a:lnRef idx="1">
+              <a:schemeClr val="accent2"/>
+            </a:lnRef>
+            <a:fillRef idx="0">
+              <a:schemeClr val="accent2"/>
+            </a:fillRef>
+            <a:effectRef idx="0">
+              <a:schemeClr val="accent2"/>
+            </a:effectRef>
+            <a:fontRef idx="minor">
+              <a:schemeClr val="tx1"/>
+            </a:fontRef>
+          </p:style>
+        </p:cxnSp>
+        <p:cxnSp>
+          <p:nvCxnSpPr>
+            <p:cNvPr id="20" name="Straight Arrow Connector 19">
+              <a:extLst>
+                <a:ext uri="{FF2B5EF4-FFF2-40B4-BE49-F238E27FC236}">
+                  <a16:creationId xmlns:a16="http://schemas.microsoft.com/office/drawing/2014/main" id="{012747DC-9682-4FDB-A756-6AEA77CCFAE6}"/>
+                </a:ext>
+              </a:extLst>
+            </p:cNvPr>
+            <p:cNvCxnSpPr/>
+            <p:nvPr/>
+          </p:nvCxnSpPr>
+          <p:spPr>
+            <a:xfrm>
+              <a:off x="2992300" y="2638425"/>
+              <a:ext cx="762000" cy="0"/>
+            </a:xfrm>
+            <a:prstGeom prst="straightConnector1">
+              <a:avLst/>
+            </a:prstGeom>
+            <a:ln w="28575">
+              <a:tailEnd type="triangle"/>
+            </a:ln>
+          </p:spPr>
+          <p:style>
+            <a:lnRef idx="1">
+              <a:schemeClr val="accent2"/>
+            </a:lnRef>
+            <a:fillRef idx="0">
+              <a:schemeClr val="accent2"/>
+            </a:fillRef>
+            <a:effectRef idx="0">
+              <a:schemeClr val="accent2"/>
+            </a:effectRef>
+            <a:fontRef idx="minor">
+              <a:schemeClr val="tx1"/>
+            </a:fontRef>
+          </p:style>
+        </p:cxnSp>
+        <p:cxnSp>
+          <p:nvCxnSpPr>
+            <p:cNvPr id="41" name="Straight Arrow Connector 40">
+              <a:extLst>
+                <a:ext uri="{FF2B5EF4-FFF2-40B4-BE49-F238E27FC236}">
+                  <a16:creationId xmlns:a16="http://schemas.microsoft.com/office/drawing/2014/main" id="{47B9D83C-2BC6-4DB5-8C8C-CB95474DA854}"/>
+                </a:ext>
+              </a:extLst>
+            </p:cNvPr>
+            <p:cNvCxnSpPr/>
+            <p:nvPr/>
+          </p:nvCxnSpPr>
+          <p:spPr>
+            <a:xfrm>
+              <a:off x="3171825" y="4781550"/>
+              <a:ext cx="762000" cy="0"/>
+            </a:xfrm>
+            <a:prstGeom prst="straightConnector1">
+              <a:avLst/>
+            </a:prstGeom>
+            <a:ln w="28575">
+              <a:tailEnd type="triangle"/>
+            </a:ln>
+          </p:spPr>
+          <p:style>
+            <a:lnRef idx="1">
+              <a:schemeClr val="accent2"/>
+            </a:lnRef>
+            <a:fillRef idx="0">
+              <a:schemeClr val="accent2"/>
+            </a:fillRef>
+            <a:effectRef idx="0">
+              <a:schemeClr val="accent2"/>
+            </a:effectRef>
+            <a:fontRef idx="minor">
+              <a:schemeClr val="tx1"/>
+            </a:fontRef>
+          </p:style>
+        </p:cxnSp>
+      </p:grpSp>
+      <p:cxnSp>
+        <p:nvCxnSpPr>
+          <p:cNvPr id="22" name="Connector: Curved 21">
+            <a:extLst>
+              <a:ext uri="{FF2B5EF4-FFF2-40B4-BE49-F238E27FC236}">
+                <a16:creationId xmlns:a16="http://schemas.microsoft.com/office/drawing/2014/main" id="{058623F0-EB05-4F35-89C5-5F337F99CD3A}"/>
+              </a:ext>
+            </a:extLst>
+          </p:cNvPr>
+          <p:cNvCxnSpPr>
+            <a:cxnSpLocks/>
+          </p:cNvCxnSpPr>
+          <p:nvPr/>
+        </p:nvCxnSpPr>
+        <p:spPr>
+          <a:xfrm rot="16200000" flipV="1">
+            <a:off x="8188020" y="4006323"/>
+            <a:ext cx="1008343" cy="675025"/>
+          </a:xfrm>
+          <a:prstGeom prst="curvedConnector3">
+            <a:avLst/>
+          </a:prstGeom>
+          <a:ln>
+            <a:tailEnd type="triangle"/>
+          </a:ln>
+        </p:spPr>
+        <p:style>
+          <a:lnRef idx="1">
+            <a:schemeClr val="accent1"/>
+          </a:lnRef>
+          <a:fillRef idx="0">
+            <a:schemeClr val="accent1"/>
+          </a:fillRef>
+          <a:effectRef idx="0">
+            <a:schemeClr val="accent1"/>
+          </a:effectRef>
+          <a:fontRef idx="minor">
+            <a:schemeClr val="tx1"/>
+          </a:fontRef>
+        </p:style>
+      </p:cxnSp>
+    </p:spTree>
+    <p:extLst>
+      <p:ext uri="{BB962C8B-B14F-4D97-AF65-F5344CB8AC3E}">
+        <p14:creationId xmlns:p14="http://schemas.microsoft.com/office/powerpoint/2010/main" val="3322238813"/>
       </p:ext>
     </p:extLst>
   </p:cSld>

--- a/science/lenses/l.pptx
+++ b/science/lenses/l.pptx
@@ -7,9 +7,11 @@
   <p:sldIdLst>
     <p:sldId id="256" r:id="rId2"/>
     <p:sldId id="257" r:id="rId3"/>
-    <p:sldId id="258" r:id="rId4"/>
-    <p:sldId id="260" r:id="rId5"/>
-    <p:sldId id="259" r:id="rId6"/>
+    <p:sldId id="261" r:id="rId4"/>
+    <p:sldId id="258" r:id="rId5"/>
+    <p:sldId id="262" r:id="rId6"/>
+    <p:sldId id="260" r:id="rId7"/>
+    <p:sldId id="259" r:id="rId8"/>
   </p:sldIdLst>
   <p:sldSz cx="12192000" cy="6858000"/>
   <p:notesSz cx="6858000" cy="9144000"/>
@@ -3874,6 +3876,435 @@
         </p:nvSpPr>
         <p:spPr>
           <a:xfrm>
+            <a:off x="3924354" y="1695450"/>
+            <a:ext cx="266700" cy="3467100"/>
+          </a:xfrm>
+          <a:prstGeom prst="ellipse">
+            <a:avLst/>
+          </a:prstGeom>
+        </p:spPr>
+        <p:style>
+          <a:lnRef idx="2">
+            <a:schemeClr val="accent1">
+              <a:shade val="50000"/>
+            </a:schemeClr>
+          </a:lnRef>
+          <a:fillRef idx="1">
+            <a:schemeClr val="accent1"/>
+          </a:fillRef>
+          <a:effectRef idx="0">
+            <a:schemeClr val="accent1"/>
+          </a:effectRef>
+          <a:fontRef idx="minor">
+            <a:schemeClr val="lt1"/>
+          </a:fontRef>
+        </p:style>
+        <p:txBody>
+          <a:bodyPr rtlCol="0" anchor="ctr"/>
+          <a:lstStyle/>
+          <a:p>
+            <a:pPr algn="ctr"/>
+            <a:endParaRPr lang="en-IN"/>
+          </a:p>
+        </p:txBody>
+      </p:sp>
+      <p:grpSp>
+        <p:nvGrpSpPr>
+          <p:cNvPr id="15" name="Group 14">
+            <a:extLst>
+              <a:ext uri="{FF2B5EF4-FFF2-40B4-BE49-F238E27FC236}">
+                <a16:creationId xmlns:a16="http://schemas.microsoft.com/office/drawing/2014/main" id="{AA301BD4-6337-489E-95EA-D578CBDC28E7}"/>
+              </a:ext>
+            </a:extLst>
+          </p:cNvPr>
+          <p:cNvGrpSpPr/>
+          <p:nvPr/>
+        </p:nvGrpSpPr>
+        <p:grpSpPr>
+          <a:xfrm>
+            <a:off x="6109534" y="519112"/>
+            <a:ext cx="4757961" cy="5819775"/>
+            <a:chOff x="4900389" y="733425"/>
+            <a:chExt cx="7238776" cy="5391150"/>
+          </a:xfrm>
+        </p:grpSpPr>
+        <p:sp>
+          <p:nvSpPr>
+            <p:cNvPr id="6" name="Oval 5">
+              <a:extLst>
+                <a:ext uri="{FF2B5EF4-FFF2-40B4-BE49-F238E27FC236}">
+                  <a16:creationId xmlns:a16="http://schemas.microsoft.com/office/drawing/2014/main" id="{7E54E1E6-2BD5-4C14-A206-8BD06DA794D8}"/>
+                </a:ext>
+              </a:extLst>
+            </p:cNvPr>
+            <p:cNvSpPr/>
+            <p:nvPr/>
+          </p:nvSpPr>
+          <p:spPr>
+            <a:xfrm>
+              <a:off x="6534377" y="1629000"/>
+              <a:ext cx="3600000" cy="3600000"/>
+            </a:xfrm>
+            <a:prstGeom prst="ellipse">
+              <a:avLst/>
+            </a:prstGeom>
+          </p:spPr>
+          <p:style>
+            <a:lnRef idx="2">
+              <a:schemeClr val="accent1">
+                <a:shade val="50000"/>
+              </a:schemeClr>
+            </a:lnRef>
+            <a:fillRef idx="1">
+              <a:schemeClr val="accent1"/>
+            </a:fillRef>
+            <a:effectRef idx="0">
+              <a:schemeClr val="accent1"/>
+            </a:effectRef>
+            <a:fontRef idx="minor">
+              <a:schemeClr val="lt1"/>
+            </a:fontRef>
+          </p:style>
+          <p:txBody>
+            <a:bodyPr rtlCol="0" anchor="ctr"/>
+            <a:lstStyle/>
+            <a:p>
+              <a:pPr algn="ctr"/>
+              <a:endParaRPr lang="en-IN" dirty="0"/>
+            </a:p>
+          </p:txBody>
+        </p:sp>
+        <p:sp>
+          <p:nvSpPr>
+            <p:cNvPr id="8" name="Oval 7">
+              <a:extLst>
+                <a:ext uri="{FF2B5EF4-FFF2-40B4-BE49-F238E27FC236}">
+                  <a16:creationId xmlns:a16="http://schemas.microsoft.com/office/drawing/2014/main" id="{109DF0C8-B249-471D-B75E-0B088253C7FF}"/>
+                </a:ext>
+              </a:extLst>
+            </p:cNvPr>
+            <p:cNvSpPr/>
+            <p:nvPr/>
+          </p:nvSpPr>
+          <p:spPr>
+            <a:xfrm>
+              <a:off x="6534377" y="1629000"/>
+              <a:ext cx="1904549" cy="3600000"/>
+            </a:xfrm>
+            <a:prstGeom prst="ellipse">
+              <a:avLst/>
+            </a:prstGeom>
+            <a:solidFill>
+              <a:schemeClr val="bg1"/>
+            </a:solidFill>
+            <a:ln>
+              <a:noFill/>
+            </a:ln>
+          </p:spPr>
+          <p:style>
+            <a:lnRef idx="2">
+              <a:schemeClr val="accent1">
+                <a:shade val="50000"/>
+              </a:schemeClr>
+            </a:lnRef>
+            <a:fillRef idx="1">
+              <a:schemeClr val="accent1"/>
+            </a:fillRef>
+            <a:effectRef idx="0">
+              <a:schemeClr val="accent1"/>
+            </a:effectRef>
+            <a:fontRef idx="minor">
+              <a:schemeClr val="lt1"/>
+            </a:fontRef>
+          </p:style>
+          <p:txBody>
+            <a:bodyPr rtlCol="0" anchor="ctr"/>
+            <a:lstStyle/>
+            <a:p>
+              <a:pPr algn="ctr"/>
+              <a:endParaRPr lang="en-IN" dirty="0"/>
+            </a:p>
+          </p:txBody>
+        </p:sp>
+        <p:sp>
+          <p:nvSpPr>
+            <p:cNvPr id="9" name="Oval 8">
+              <a:extLst>
+                <a:ext uri="{FF2B5EF4-FFF2-40B4-BE49-F238E27FC236}">
+                  <a16:creationId xmlns:a16="http://schemas.microsoft.com/office/drawing/2014/main" id="{8AE00582-56B4-4214-A269-A7E40424A772}"/>
+                </a:ext>
+              </a:extLst>
+            </p:cNvPr>
+            <p:cNvSpPr/>
+            <p:nvPr/>
+          </p:nvSpPr>
+          <p:spPr>
+            <a:xfrm>
+              <a:off x="8706077" y="1629000"/>
+              <a:ext cx="1914298" cy="3600000"/>
+            </a:xfrm>
+            <a:prstGeom prst="ellipse">
+              <a:avLst/>
+            </a:prstGeom>
+            <a:solidFill>
+              <a:schemeClr val="bg1"/>
+            </a:solidFill>
+            <a:ln>
+              <a:noFill/>
+            </a:ln>
+          </p:spPr>
+          <p:style>
+            <a:lnRef idx="2">
+              <a:schemeClr val="accent1">
+                <a:shade val="50000"/>
+              </a:schemeClr>
+            </a:lnRef>
+            <a:fillRef idx="1">
+              <a:schemeClr val="accent1"/>
+            </a:fillRef>
+            <a:effectRef idx="0">
+              <a:schemeClr val="accent1"/>
+            </a:effectRef>
+            <a:fontRef idx="minor">
+              <a:schemeClr val="lt1"/>
+            </a:fontRef>
+          </p:style>
+          <p:txBody>
+            <a:bodyPr rtlCol="0" anchor="ctr"/>
+            <a:lstStyle/>
+            <a:p>
+              <a:pPr algn="ctr"/>
+              <a:endParaRPr lang="en-IN" dirty="0"/>
+            </a:p>
+          </p:txBody>
+        </p:sp>
+        <p:sp>
+          <p:nvSpPr>
+            <p:cNvPr id="10" name="Rectangle 9">
+              <a:extLst>
+                <a:ext uri="{FF2B5EF4-FFF2-40B4-BE49-F238E27FC236}">
+                  <a16:creationId xmlns:a16="http://schemas.microsoft.com/office/drawing/2014/main" id="{86746F18-8D48-4C7F-A38F-D4F4D960CFED}"/>
+                </a:ext>
+              </a:extLst>
+            </p:cNvPr>
+            <p:cNvSpPr/>
+            <p:nvPr/>
+          </p:nvSpPr>
+          <p:spPr>
+            <a:xfrm>
+              <a:off x="4900389" y="733425"/>
+              <a:ext cx="7077075" cy="1266825"/>
+            </a:xfrm>
+            <a:prstGeom prst="rect">
+              <a:avLst/>
+            </a:prstGeom>
+            <a:solidFill>
+              <a:schemeClr val="bg1"/>
+            </a:solidFill>
+            <a:ln>
+              <a:noFill/>
+            </a:ln>
+          </p:spPr>
+          <p:style>
+            <a:lnRef idx="2">
+              <a:schemeClr val="accent1">
+                <a:shade val="50000"/>
+              </a:schemeClr>
+            </a:lnRef>
+            <a:fillRef idx="1">
+              <a:schemeClr val="accent1"/>
+            </a:fillRef>
+            <a:effectRef idx="0">
+              <a:schemeClr val="accent1"/>
+            </a:effectRef>
+            <a:fontRef idx="minor">
+              <a:schemeClr val="lt1"/>
+            </a:fontRef>
+          </p:style>
+          <p:txBody>
+            <a:bodyPr rtlCol="0" anchor="ctr"/>
+            <a:lstStyle/>
+            <a:p>
+              <a:pPr algn="ctr"/>
+              <a:endParaRPr lang="en-IN" dirty="0"/>
+            </a:p>
+          </p:txBody>
+        </p:sp>
+        <p:sp>
+          <p:nvSpPr>
+            <p:cNvPr id="14" name="Rectangle 13">
+              <a:extLst>
+                <a:ext uri="{FF2B5EF4-FFF2-40B4-BE49-F238E27FC236}">
+                  <a16:creationId xmlns:a16="http://schemas.microsoft.com/office/drawing/2014/main" id="{A0D8861B-3F1E-404C-ADF5-C164242200C4}"/>
+                </a:ext>
+              </a:extLst>
+            </p:cNvPr>
+            <p:cNvSpPr/>
+            <p:nvPr/>
+          </p:nvSpPr>
+          <p:spPr>
+            <a:xfrm>
+              <a:off x="5062090" y="4857750"/>
+              <a:ext cx="7077075" cy="1266825"/>
+            </a:xfrm>
+            <a:prstGeom prst="rect">
+              <a:avLst/>
+            </a:prstGeom>
+            <a:solidFill>
+              <a:schemeClr val="bg1"/>
+            </a:solidFill>
+            <a:ln>
+              <a:noFill/>
+            </a:ln>
+          </p:spPr>
+          <p:style>
+            <a:lnRef idx="2">
+              <a:schemeClr val="accent1">
+                <a:shade val="50000"/>
+              </a:schemeClr>
+            </a:lnRef>
+            <a:fillRef idx="1">
+              <a:schemeClr val="accent1"/>
+            </a:fillRef>
+            <a:effectRef idx="0">
+              <a:schemeClr val="accent1"/>
+            </a:effectRef>
+            <a:fontRef idx="minor">
+              <a:schemeClr val="lt1"/>
+            </a:fontRef>
+          </p:style>
+          <p:txBody>
+            <a:bodyPr rtlCol="0" anchor="ctr"/>
+            <a:lstStyle/>
+            <a:p>
+              <a:pPr algn="ctr"/>
+              <a:endParaRPr lang="en-IN"/>
+            </a:p>
+          </p:txBody>
+        </p:sp>
+      </p:grpSp>
+      <p:sp>
+        <p:nvSpPr>
+          <p:cNvPr id="50" name="TextBox 49">
+            <a:extLst>
+              <a:ext uri="{FF2B5EF4-FFF2-40B4-BE49-F238E27FC236}">
+                <a16:creationId xmlns:a16="http://schemas.microsoft.com/office/drawing/2014/main" id="{519B16D6-EB7B-4723-AA34-59C820E93220}"/>
+              </a:ext>
+            </a:extLst>
+          </p:cNvPr>
+          <p:cNvSpPr txBox="1"/>
+          <p:nvPr/>
+        </p:nvSpPr>
+        <p:spPr>
+          <a:xfrm>
+            <a:off x="2975890" y="1052809"/>
+            <a:ext cx="2430328" cy="461665"/>
+          </a:xfrm>
+          <a:prstGeom prst="rect">
+            <a:avLst/>
+          </a:prstGeom>
+          <a:noFill/>
+          <a:ln>
+            <a:noFill/>
+          </a:ln>
+        </p:spPr>
+        <p:txBody>
+          <a:bodyPr wrap="square" rtlCol="0">
+            <a:spAutoFit/>
+          </a:bodyPr>
+          <a:lstStyle/>
+          <a:p>
+            <a:r>
+              <a:rPr lang="en-US" sz="2400" dirty="0"/>
+              <a:t>Convex Lens</a:t>
+            </a:r>
+            <a:endParaRPr lang="en-IN" sz="2400" dirty="0"/>
+          </a:p>
+        </p:txBody>
+      </p:sp>
+      <p:sp>
+        <p:nvSpPr>
+          <p:cNvPr id="53" name="TextBox 52">
+            <a:extLst>
+              <a:ext uri="{FF2B5EF4-FFF2-40B4-BE49-F238E27FC236}">
+                <a16:creationId xmlns:a16="http://schemas.microsoft.com/office/drawing/2014/main" id="{A115EFED-7024-4203-82CF-E8A03F58EBAE}"/>
+              </a:ext>
+            </a:extLst>
+          </p:cNvPr>
+          <p:cNvSpPr txBox="1"/>
+          <p:nvPr/>
+        </p:nvSpPr>
+        <p:spPr>
+          <a:xfrm>
+            <a:off x="7465487" y="1024225"/>
+            <a:ext cx="2430328" cy="461665"/>
+          </a:xfrm>
+          <a:prstGeom prst="rect">
+            <a:avLst/>
+          </a:prstGeom>
+          <a:noFill/>
+          <a:ln>
+            <a:noFill/>
+          </a:ln>
+        </p:spPr>
+        <p:txBody>
+          <a:bodyPr wrap="square" rtlCol="0">
+            <a:spAutoFit/>
+          </a:bodyPr>
+          <a:lstStyle/>
+          <a:p>
+            <a:r>
+              <a:rPr lang="en-US" sz="2400" dirty="0"/>
+              <a:t>Concave Lens</a:t>
+            </a:r>
+            <a:endParaRPr lang="en-IN" sz="2400" dirty="0"/>
+          </a:p>
+        </p:txBody>
+      </p:sp>
+    </p:spTree>
+    <p:extLst>
+      <p:ext uri="{BB962C8B-B14F-4D97-AF65-F5344CB8AC3E}">
+        <p14:creationId xmlns:p14="http://schemas.microsoft.com/office/powerpoint/2010/main" val="3153742538"/>
+      </p:ext>
+    </p:extLst>
+  </p:cSld>
+  <p:clrMapOvr>
+    <a:masterClrMapping/>
+  </p:clrMapOvr>
+</p:sld>
+</file>
+
+<file path=ppt/slides/slide4.xml><?xml version="1.0" encoding="utf-8"?>
+<p:sld xmlns:a="http://schemas.openxmlformats.org/drawingml/2006/main" xmlns:r="http://schemas.openxmlformats.org/officeDocument/2006/relationships" xmlns:p="http://schemas.openxmlformats.org/presentationml/2006/main">
+  <p:cSld>
+    <p:spTree>
+      <p:nvGrpSpPr>
+        <p:cNvPr id="1" name=""/>
+        <p:cNvGrpSpPr/>
+        <p:nvPr/>
+      </p:nvGrpSpPr>
+      <p:grpSpPr>
+        <a:xfrm>
+          <a:off x="0" y="0"/>
+          <a:ext cx="0" cy="0"/>
+          <a:chOff x="0" y="0"/>
+          <a:chExt cx="0" cy="0"/>
+        </a:xfrm>
+      </p:grpSpPr>
+      <p:sp>
+        <p:nvSpPr>
+          <p:cNvPr id="4" name="Oval 3">
+            <a:extLst>
+              <a:ext uri="{FF2B5EF4-FFF2-40B4-BE49-F238E27FC236}">
+                <a16:creationId xmlns:a16="http://schemas.microsoft.com/office/drawing/2014/main" id="{F9707F37-3E55-4165-9CAA-85C480A78023}"/>
+              </a:ext>
+            </a:extLst>
+          </p:cNvPr>
+          <p:cNvSpPr/>
+          <p:nvPr/>
+        </p:nvSpPr>
+        <p:spPr>
+          <a:xfrm>
             <a:off x="3076575" y="1695450"/>
             <a:ext cx="266700" cy="3467100"/>
           </a:xfrm>
@@ -4998,7 +5429,1151 @@
 </p:sld>
 </file>
 
-<file path=ppt/slides/slide4.xml><?xml version="1.0" encoding="utf-8"?>
+<file path=ppt/slides/slide5.xml><?xml version="1.0" encoding="utf-8"?>
+<p:sld xmlns:a="http://schemas.openxmlformats.org/drawingml/2006/main" xmlns:r="http://schemas.openxmlformats.org/officeDocument/2006/relationships" xmlns:p="http://schemas.openxmlformats.org/presentationml/2006/main">
+  <p:cSld>
+    <p:spTree>
+      <p:nvGrpSpPr>
+        <p:cNvPr id="1" name=""/>
+        <p:cNvGrpSpPr/>
+        <p:nvPr/>
+      </p:nvGrpSpPr>
+      <p:grpSpPr>
+        <a:xfrm>
+          <a:off x="0" y="0"/>
+          <a:ext cx="0" cy="0"/>
+          <a:chOff x="0" y="0"/>
+          <a:chExt cx="0" cy="0"/>
+        </a:xfrm>
+      </p:grpSpPr>
+      <p:sp>
+        <p:nvSpPr>
+          <p:cNvPr id="4" name="Oval 3">
+            <a:extLst>
+              <a:ext uri="{FF2B5EF4-FFF2-40B4-BE49-F238E27FC236}">
+                <a16:creationId xmlns:a16="http://schemas.microsoft.com/office/drawing/2014/main" id="{F9707F37-3E55-4165-9CAA-85C480A78023}"/>
+              </a:ext>
+            </a:extLst>
+          </p:cNvPr>
+          <p:cNvSpPr/>
+          <p:nvPr/>
+        </p:nvSpPr>
+        <p:spPr>
+          <a:xfrm>
+            <a:off x="3076575" y="1695450"/>
+            <a:ext cx="266700" cy="3467100"/>
+          </a:xfrm>
+          <a:prstGeom prst="ellipse">
+            <a:avLst/>
+          </a:prstGeom>
+        </p:spPr>
+        <p:style>
+          <a:lnRef idx="2">
+            <a:schemeClr val="accent1">
+              <a:shade val="50000"/>
+            </a:schemeClr>
+          </a:lnRef>
+          <a:fillRef idx="1">
+            <a:schemeClr val="accent1"/>
+          </a:fillRef>
+          <a:effectRef idx="0">
+            <a:schemeClr val="accent1"/>
+          </a:effectRef>
+          <a:fontRef idx="minor">
+            <a:schemeClr val="lt1"/>
+          </a:fontRef>
+        </p:style>
+        <p:txBody>
+          <a:bodyPr rtlCol="0" anchor="ctr"/>
+          <a:lstStyle/>
+          <a:p>
+            <a:pPr algn="ctr"/>
+            <a:endParaRPr lang="en-IN"/>
+          </a:p>
+        </p:txBody>
+      </p:sp>
+      <p:grpSp>
+        <p:nvGrpSpPr>
+          <p:cNvPr id="15" name="Group 14">
+            <a:extLst>
+              <a:ext uri="{FF2B5EF4-FFF2-40B4-BE49-F238E27FC236}">
+                <a16:creationId xmlns:a16="http://schemas.microsoft.com/office/drawing/2014/main" id="{AA301BD4-6337-489E-95EA-D578CBDC28E7}"/>
+              </a:ext>
+            </a:extLst>
+          </p:cNvPr>
+          <p:cNvGrpSpPr/>
+          <p:nvPr/>
+        </p:nvGrpSpPr>
+        <p:grpSpPr>
+          <a:xfrm>
+            <a:off x="6922070" y="519112"/>
+            <a:ext cx="4757961" cy="5819775"/>
+            <a:chOff x="4900389" y="733425"/>
+            <a:chExt cx="7238776" cy="5391150"/>
+          </a:xfrm>
+        </p:grpSpPr>
+        <p:sp>
+          <p:nvSpPr>
+            <p:cNvPr id="6" name="Oval 5">
+              <a:extLst>
+                <a:ext uri="{FF2B5EF4-FFF2-40B4-BE49-F238E27FC236}">
+                  <a16:creationId xmlns:a16="http://schemas.microsoft.com/office/drawing/2014/main" id="{7E54E1E6-2BD5-4C14-A206-8BD06DA794D8}"/>
+                </a:ext>
+              </a:extLst>
+            </p:cNvPr>
+            <p:cNvSpPr/>
+            <p:nvPr/>
+          </p:nvSpPr>
+          <p:spPr>
+            <a:xfrm>
+              <a:off x="6534377" y="1673118"/>
+              <a:ext cx="3600000" cy="3600000"/>
+            </a:xfrm>
+            <a:prstGeom prst="ellipse">
+              <a:avLst/>
+            </a:prstGeom>
+          </p:spPr>
+          <p:style>
+            <a:lnRef idx="2">
+              <a:schemeClr val="accent1">
+                <a:shade val="50000"/>
+              </a:schemeClr>
+            </a:lnRef>
+            <a:fillRef idx="1">
+              <a:schemeClr val="accent1"/>
+            </a:fillRef>
+            <a:effectRef idx="0">
+              <a:schemeClr val="accent1"/>
+            </a:effectRef>
+            <a:fontRef idx="minor">
+              <a:schemeClr val="lt1"/>
+            </a:fontRef>
+          </p:style>
+          <p:txBody>
+            <a:bodyPr rtlCol="0" anchor="ctr"/>
+            <a:lstStyle/>
+            <a:p>
+              <a:pPr algn="ctr"/>
+              <a:endParaRPr lang="en-IN" dirty="0"/>
+            </a:p>
+          </p:txBody>
+        </p:sp>
+        <p:sp>
+          <p:nvSpPr>
+            <p:cNvPr id="8" name="Oval 7">
+              <a:extLst>
+                <a:ext uri="{FF2B5EF4-FFF2-40B4-BE49-F238E27FC236}">
+                  <a16:creationId xmlns:a16="http://schemas.microsoft.com/office/drawing/2014/main" id="{109DF0C8-B249-471D-B75E-0B088253C7FF}"/>
+                </a:ext>
+              </a:extLst>
+            </p:cNvPr>
+            <p:cNvSpPr/>
+            <p:nvPr/>
+          </p:nvSpPr>
+          <p:spPr>
+            <a:xfrm>
+              <a:off x="6534377" y="1629000"/>
+              <a:ext cx="1904549" cy="3600000"/>
+            </a:xfrm>
+            <a:prstGeom prst="ellipse">
+              <a:avLst/>
+            </a:prstGeom>
+            <a:solidFill>
+              <a:schemeClr val="bg1"/>
+            </a:solidFill>
+            <a:ln>
+              <a:noFill/>
+            </a:ln>
+          </p:spPr>
+          <p:style>
+            <a:lnRef idx="2">
+              <a:schemeClr val="accent1">
+                <a:shade val="50000"/>
+              </a:schemeClr>
+            </a:lnRef>
+            <a:fillRef idx="1">
+              <a:schemeClr val="accent1"/>
+            </a:fillRef>
+            <a:effectRef idx="0">
+              <a:schemeClr val="accent1"/>
+            </a:effectRef>
+            <a:fontRef idx="minor">
+              <a:schemeClr val="lt1"/>
+            </a:fontRef>
+          </p:style>
+          <p:txBody>
+            <a:bodyPr rtlCol="0" anchor="ctr"/>
+            <a:lstStyle/>
+            <a:p>
+              <a:pPr algn="ctr"/>
+              <a:endParaRPr lang="en-IN" dirty="0"/>
+            </a:p>
+          </p:txBody>
+        </p:sp>
+        <p:sp>
+          <p:nvSpPr>
+            <p:cNvPr id="9" name="Oval 8">
+              <a:extLst>
+                <a:ext uri="{FF2B5EF4-FFF2-40B4-BE49-F238E27FC236}">
+                  <a16:creationId xmlns:a16="http://schemas.microsoft.com/office/drawing/2014/main" id="{8AE00582-56B4-4214-A269-A7E40424A772}"/>
+                </a:ext>
+              </a:extLst>
+            </p:cNvPr>
+            <p:cNvSpPr/>
+            <p:nvPr/>
+          </p:nvSpPr>
+          <p:spPr>
+            <a:xfrm>
+              <a:off x="8706077" y="1629000"/>
+              <a:ext cx="1914298" cy="3600000"/>
+            </a:xfrm>
+            <a:prstGeom prst="ellipse">
+              <a:avLst/>
+            </a:prstGeom>
+            <a:solidFill>
+              <a:schemeClr val="bg1"/>
+            </a:solidFill>
+            <a:ln>
+              <a:noFill/>
+            </a:ln>
+          </p:spPr>
+          <p:style>
+            <a:lnRef idx="2">
+              <a:schemeClr val="accent1">
+                <a:shade val="50000"/>
+              </a:schemeClr>
+            </a:lnRef>
+            <a:fillRef idx="1">
+              <a:schemeClr val="accent1"/>
+            </a:fillRef>
+            <a:effectRef idx="0">
+              <a:schemeClr val="accent1"/>
+            </a:effectRef>
+            <a:fontRef idx="minor">
+              <a:schemeClr val="lt1"/>
+            </a:fontRef>
+          </p:style>
+          <p:txBody>
+            <a:bodyPr rtlCol="0" anchor="ctr"/>
+            <a:lstStyle/>
+            <a:p>
+              <a:pPr algn="ctr"/>
+              <a:endParaRPr lang="en-IN" dirty="0"/>
+            </a:p>
+          </p:txBody>
+        </p:sp>
+        <p:sp>
+          <p:nvSpPr>
+            <p:cNvPr id="10" name="Rectangle 9">
+              <a:extLst>
+                <a:ext uri="{FF2B5EF4-FFF2-40B4-BE49-F238E27FC236}">
+                  <a16:creationId xmlns:a16="http://schemas.microsoft.com/office/drawing/2014/main" id="{86746F18-8D48-4C7F-A38F-D4F4D960CFED}"/>
+                </a:ext>
+              </a:extLst>
+            </p:cNvPr>
+            <p:cNvSpPr/>
+            <p:nvPr/>
+          </p:nvSpPr>
+          <p:spPr>
+            <a:xfrm>
+              <a:off x="4900389" y="733425"/>
+              <a:ext cx="7077075" cy="1266825"/>
+            </a:xfrm>
+            <a:prstGeom prst="rect">
+              <a:avLst/>
+            </a:prstGeom>
+            <a:solidFill>
+              <a:schemeClr val="bg1"/>
+            </a:solidFill>
+            <a:ln>
+              <a:noFill/>
+            </a:ln>
+          </p:spPr>
+          <p:style>
+            <a:lnRef idx="2">
+              <a:schemeClr val="accent1">
+                <a:shade val="50000"/>
+              </a:schemeClr>
+            </a:lnRef>
+            <a:fillRef idx="1">
+              <a:schemeClr val="accent1"/>
+            </a:fillRef>
+            <a:effectRef idx="0">
+              <a:schemeClr val="accent1"/>
+            </a:effectRef>
+            <a:fontRef idx="minor">
+              <a:schemeClr val="lt1"/>
+            </a:fontRef>
+          </p:style>
+          <p:txBody>
+            <a:bodyPr rtlCol="0" anchor="ctr"/>
+            <a:lstStyle/>
+            <a:p>
+              <a:pPr algn="ctr"/>
+              <a:endParaRPr lang="en-IN" dirty="0"/>
+            </a:p>
+          </p:txBody>
+        </p:sp>
+        <p:sp>
+          <p:nvSpPr>
+            <p:cNvPr id="14" name="Rectangle 13">
+              <a:extLst>
+                <a:ext uri="{FF2B5EF4-FFF2-40B4-BE49-F238E27FC236}">
+                  <a16:creationId xmlns:a16="http://schemas.microsoft.com/office/drawing/2014/main" id="{A0D8861B-3F1E-404C-ADF5-C164242200C4}"/>
+                </a:ext>
+              </a:extLst>
+            </p:cNvPr>
+            <p:cNvSpPr/>
+            <p:nvPr/>
+          </p:nvSpPr>
+          <p:spPr>
+            <a:xfrm>
+              <a:off x="5062090" y="4857750"/>
+              <a:ext cx="7077075" cy="1266825"/>
+            </a:xfrm>
+            <a:prstGeom prst="rect">
+              <a:avLst/>
+            </a:prstGeom>
+            <a:solidFill>
+              <a:schemeClr val="bg1"/>
+            </a:solidFill>
+            <a:ln>
+              <a:noFill/>
+            </a:ln>
+          </p:spPr>
+          <p:style>
+            <a:lnRef idx="2">
+              <a:schemeClr val="accent1">
+                <a:shade val="50000"/>
+              </a:schemeClr>
+            </a:lnRef>
+            <a:fillRef idx="1">
+              <a:schemeClr val="accent1"/>
+            </a:fillRef>
+            <a:effectRef idx="0">
+              <a:schemeClr val="accent1"/>
+            </a:effectRef>
+            <a:fontRef idx="minor">
+              <a:schemeClr val="lt1"/>
+            </a:fontRef>
+          </p:style>
+          <p:txBody>
+            <a:bodyPr rtlCol="0" anchor="ctr"/>
+            <a:lstStyle/>
+            <a:p>
+              <a:pPr algn="ctr"/>
+              <a:endParaRPr lang="en-IN"/>
+            </a:p>
+          </p:txBody>
+        </p:sp>
+      </p:grpSp>
+      <p:cxnSp>
+        <p:nvCxnSpPr>
+          <p:cNvPr id="17" name="Straight Connector 16">
+            <a:extLst>
+              <a:ext uri="{FF2B5EF4-FFF2-40B4-BE49-F238E27FC236}">
+                <a16:creationId xmlns:a16="http://schemas.microsoft.com/office/drawing/2014/main" id="{CAC2E47D-E731-4050-9C72-7236028A7F16}"/>
+              </a:ext>
+            </a:extLst>
+          </p:cNvPr>
+          <p:cNvCxnSpPr>
+            <a:cxnSpLocks/>
+          </p:cNvCxnSpPr>
+          <p:nvPr/>
+        </p:nvCxnSpPr>
+        <p:spPr>
+          <a:xfrm>
+            <a:off x="395287" y="3448049"/>
+            <a:ext cx="5362575" cy="0"/>
+          </a:xfrm>
+          <a:prstGeom prst="line">
+            <a:avLst/>
+          </a:prstGeom>
+          <a:ln w="38100">
+            <a:solidFill>
+              <a:schemeClr val="bg2">
+                <a:lumMod val="10000"/>
+              </a:schemeClr>
+            </a:solidFill>
+          </a:ln>
+        </p:spPr>
+        <p:style>
+          <a:lnRef idx="1">
+            <a:schemeClr val="accent2"/>
+          </a:lnRef>
+          <a:fillRef idx="0">
+            <a:schemeClr val="accent2"/>
+          </a:fillRef>
+          <a:effectRef idx="0">
+            <a:schemeClr val="accent2"/>
+          </a:effectRef>
+          <a:fontRef idx="minor">
+            <a:schemeClr val="tx1"/>
+          </a:fontRef>
+        </p:style>
+      </p:cxnSp>
+      <p:cxnSp>
+        <p:nvCxnSpPr>
+          <p:cNvPr id="23" name="Straight Connector 22">
+            <a:extLst>
+              <a:ext uri="{FF2B5EF4-FFF2-40B4-BE49-F238E27FC236}">
+                <a16:creationId xmlns:a16="http://schemas.microsoft.com/office/drawing/2014/main" id="{7D7F555F-18CD-4000-BC89-09EA8BFB3103}"/>
+              </a:ext>
+            </a:extLst>
+          </p:cNvPr>
+          <p:cNvCxnSpPr>
+            <a:cxnSpLocks/>
+          </p:cNvCxnSpPr>
+          <p:nvPr/>
+        </p:nvCxnSpPr>
+        <p:spPr>
+          <a:xfrm>
+            <a:off x="6404663" y="3448049"/>
+            <a:ext cx="5362575" cy="0"/>
+          </a:xfrm>
+          <a:prstGeom prst="line">
+            <a:avLst/>
+          </a:prstGeom>
+          <a:ln w="38100">
+            <a:solidFill>
+              <a:schemeClr val="bg2">
+                <a:lumMod val="10000"/>
+              </a:schemeClr>
+            </a:solidFill>
+          </a:ln>
+        </p:spPr>
+        <p:style>
+          <a:lnRef idx="1">
+            <a:schemeClr val="accent2"/>
+          </a:lnRef>
+          <a:fillRef idx="0">
+            <a:schemeClr val="accent2"/>
+          </a:fillRef>
+          <a:effectRef idx="0">
+            <a:schemeClr val="accent2"/>
+          </a:effectRef>
+          <a:fontRef idx="minor">
+            <a:schemeClr val="tx1"/>
+          </a:fontRef>
+        </p:style>
+      </p:cxnSp>
+      <p:sp>
+        <p:nvSpPr>
+          <p:cNvPr id="24" name="Oval 23">
+            <a:extLst>
+              <a:ext uri="{FF2B5EF4-FFF2-40B4-BE49-F238E27FC236}">
+                <a16:creationId xmlns:a16="http://schemas.microsoft.com/office/drawing/2014/main" id="{977F2612-8689-4F43-8BB1-DD16F40F0780}"/>
+              </a:ext>
+            </a:extLst>
+          </p:cNvPr>
+          <p:cNvSpPr/>
+          <p:nvPr/>
+        </p:nvSpPr>
+        <p:spPr>
+          <a:xfrm>
+            <a:off x="790575" y="3352800"/>
+            <a:ext cx="161925" cy="190498"/>
+          </a:xfrm>
+          <a:prstGeom prst="ellipse">
+            <a:avLst/>
+          </a:prstGeom>
+        </p:spPr>
+        <p:style>
+          <a:lnRef idx="2">
+            <a:schemeClr val="accent1">
+              <a:shade val="50000"/>
+            </a:schemeClr>
+          </a:lnRef>
+          <a:fillRef idx="1">
+            <a:schemeClr val="accent1"/>
+          </a:fillRef>
+          <a:effectRef idx="0">
+            <a:schemeClr val="accent1"/>
+          </a:effectRef>
+          <a:fontRef idx="minor">
+            <a:schemeClr val="lt1"/>
+          </a:fontRef>
+        </p:style>
+        <p:txBody>
+          <a:bodyPr rtlCol="0" anchor="ctr"/>
+          <a:lstStyle/>
+          <a:p>
+            <a:pPr algn="ctr"/>
+            <a:endParaRPr lang="en-IN"/>
+          </a:p>
+        </p:txBody>
+      </p:sp>
+      <p:sp>
+        <p:nvSpPr>
+          <p:cNvPr id="25" name="Oval 24">
+            <a:extLst>
+              <a:ext uri="{FF2B5EF4-FFF2-40B4-BE49-F238E27FC236}">
+                <a16:creationId xmlns:a16="http://schemas.microsoft.com/office/drawing/2014/main" id="{41BD6367-15BC-42D6-B874-33F28D6EE185}"/>
+              </a:ext>
+            </a:extLst>
+          </p:cNvPr>
+          <p:cNvSpPr/>
+          <p:nvPr/>
+        </p:nvSpPr>
+        <p:spPr>
+          <a:xfrm>
+            <a:off x="5233987" y="3352800"/>
+            <a:ext cx="161925" cy="190498"/>
+          </a:xfrm>
+          <a:prstGeom prst="ellipse">
+            <a:avLst/>
+          </a:prstGeom>
+          <a:solidFill>
+            <a:srgbClr val="00B0F0"/>
+          </a:solidFill>
+          <a:ln>
+            <a:solidFill>
+              <a:srgbClr val="C00000"/>
+            </a:solidFill>
+          </a:ln>
+        </p:spPr>
+        <p:style>
+          <a:lnRef idx="2">
+            <a:schemeClr val="accent1">
+              <a:shade val="50000"/>
+            </a:schemeClr>
+          </a:lnRef>
+          <a:fillRef idx="1">
+            <a:schemeClr val="accent1"/>
+          </a:fillRef>
+          <a:effectRef idx="0">
+            <a:schemeClr val="accent1"/>
+          </a:effectRef>
+          <a:fontRef idx="minor">
+            <a:schemeClr val="lt1"/>
+          </a:fontRef>
+        </p:style>
+        <p:txBody>
+          <a:bodyPr rtlCol="0" anchor="ctr"/>
+          <a:lstStyle/>
+          <a:p>
+            <a:pPr algn="ctr"/>
+            <a:endParaRPr lang="en-IN"/>
+          </a:p>
+        </p:txBody>
+      </p:sp>
+      <p:sp>
+        <p:nvSpPr>
+          <p:cNvPr id="26" name="Oval 25">
+            <a:extLst>
+              <a:ext uri="{FF2B5EF4-FFF2-40B4-BE49-F238E27FC236}">
+                <a16:creationId xmlns:a16="http://schemas.microsoft.com/office/drawing/2014/main" id="{7E52B325-2758-4E9A-A970-732CF6730E88}"/>
+              </a:ext>
+            </a:extLst>
+          </p:cNvPr>
+          <p:cNvSpPr/>
+          <p:nvPr/>
+        </p:nvSpPr>
+        <p:spPr>
+          <a:xfrm>
+            <a:off x="6952267" y="3343275"/>
+            <a:ext cx="161925" cy="190498"/>
+          </a:xfrm>
+          <a:prstGeom prst="ellipse">
+            <a:avLst/>
+          </a:prstGeom>
+          <a:solidFill>
+            <a:srgbClr val="00B0F0"/>
+          </a:solidFill>
+          <a:ln>
+            <a:solidFill>
+              <a:srgbClr val="C00000"/>
+            </a:solidFill>
+          </a:ln>
+        </p:spPr>
+        <p:style>
+          <a:lnRef idx="2">
+            <a:schemeClr val="accent1">
+              <a:shade val="50000"/>
+            </a:schemeClr>
+          </a:lnRef>
+          <a:fillRef idx="1">
+            <a:schemeClr val="accent1"/>
+          </a:fillRef>
+          <a:effectRef idx="0">
+            <a:schemeClr val="accent1"/>
+          </a:effectRef>
+          <a:fontRef idx="minor">
+            <a:schemeClr val="lt1"/>
+          </a:fontRef>
+        </p:style>
+        <p:txBody>
+          <a:bodyPr rtlCol="0" anchor="ctr"/>
+          <a:lstStyle/>
+          <a:p>
+            <a:pPr algn="ctr"/>
+            <a:endParaRPr lang="en-IN"/>
+          </a:p>
+        </p:txBody>
+      </p:sp>
+      <p:sp>
+        <p:nvSpPr>
+          <p:cNvPr id="27" name="Oval 26">
+            <a:extLst>
+              <a:ext uri="{FF2B5EF4-FFF2-40B4-BE49-F238E27FC236}">
+                <a16:creationId xmlns:a16="http://schemas.microsoft.com/office/drawing/2014/main" id="{DB5E4B23-AC43-4262-8042-8A87A88BCC7D}"/>
+              </a:ext>
+            </a:extLst>
+          </p:cNvPr>
+          <p:cNvSpPr/>
+          <p:nvPr/>
+        </p:nvSpPr>
+        <p:spPr>
+          <a:xfrm>
+            <a:off x="11171500" y="3343275"/>
+            <a:ext cx="161925" cy="190498"/>
+          </a:xfrm>
+          <a:prstGeom prst="ellipse">
+            <a:avLst/>
+          </a:prstGeom>
+          <a:solidFill>
+            <a:srgbClr val="00B0F0"/>
+          </a:solidFill>
+          <a:ln>
+            <a:solidFill>
+              <a:srgbClr val="C00000"/>
+            </a:solidFill>
+          </a:ln>
+        </p:spPr>
+        <p:style>
+          <a:lnRef idx="2">
+            <a:schemeClr val="accent1">
+              <a:shade val="50000"/>
+            </a:schemeClr>
+          </a:lnRef>
+          <a:fillRef idx="1">
+            <a:schemeClr val="accent1"/>
+          </a:fillRef>
+          <a:effectRef idx="0">
+            <a:schemeClr val="accent1"/>
+          </a:effectRef>
+          <a:fontRef idx="minor">
+            <a:schemeClr val="lt1"/>
+          </a:fontRef>
+        </p:style>
+        <p:txBody>
+          <a:bodyPr rtlCol="0" anchor="ctr"/>
+          <a:lstStyle/>
+          <a:p>
+            <a:pPr algn="ctr"/>
+            <a:endParaRPr lang="en-IN"/>
+          </a:p>
+        </p:txBody>
+      </p:sp>
+      <p:sp>
+        <p:nvSpPr>
+          <p:cNvPr id="28" name="TextBox 27">
+            <a:extLst>
+              <a:ext uri="{FF2B5EF4-FFF2-40B4-BE49-F238E27FC236}">
+                <a16:creationId xmlns:a16="http://schemas.microsoft.com/office/drawing/2014/main" id="{2B833E3C-ADFB-42F1-806D-86702E099E6C}"/>
+              </a:ext>
+            </a:extLst>
+          </p:cNvPr>
+          <p:cNvSpPr txBox="1"/>
+          <p:nvPr/>
+        </p:nvSpPr>
+        <p:spPr>
+          <a:xfrm>
+            <a:off x="511969" y="3752850"/>
+            <a:ext cx="354806" cy="461665"/>
+          </a:xfrm>
+          <a:prstGeom prst="rect">
+            <a:avLst/>
+          </a:prstGeom>
+          <a:noFill/>
+          <a:ln>
+            <a:noFill/>
+          </a:ln>
+        </p:spPr>
+        <p:txBody>
+          <a:bodyPr wrap="square" rtlCol="0">
+            <a:spAutoFit/>
+          </a:bodyPr>
+          <a:lstStyle/>
+          <a:p>
+            <a:r>
+              <a:rPr lang="en-US" sz="2400" dirty="0"/>
+              <a:t>f</a:t>
+            </a:r>
+            <a:endParaRPr lang="en-IN" sz="2400" dirty="0"/>
+          </a:p>
+        </p:txBody>
+      </p:sp>
+      <p:sp>
+        <p:nvSpPr>
+          <p:cNvPr id="30" name="TextBox 29">
+            <a:extLst>
+              <a:ext uri="{FF2B5EF4-FFF2-40B4-BE49-F238E27FC236}">
+                <a16:creationId xmlns:a16="http://schemas.microsoft.com/office/drawing/2014/main" id="{8942CE69-A395-408A-A197-D27D877BAAD8}"/>
+              </a:ext>
+            </a:extLst>
+          </p:cNvPr>
+          <p:cNvSpPr txBox="1"/>
+          <p:nvPr/>
+        </p:nvSpPr>
+        <p:spPr>
+          <a:xfrm>
+            <a:off x="6855826" y="3638545"/>
+            <a:ext cx="354806" cy="461665"/>
+          </a:xfrm>
+          <a:prstGeom prst="rect">
+            <a:avLst/>
+          </a:prstGeom>
+          <a:noFill/>
+          <a:ln>
+            <a:noFill/>
+          </a:ln>
+        </p:spPr>
+        <p:txBody>
+          <a:bodyPr wrap="square" rtlCol="0">
+            <a:spAutoFit/>
+          </a:bodyPr>
+          <a:lstStyle/>
+          <a:p>
+            <a:r>
+              <a:rPr lang="en-US" sz="2400" dirty="0"/>
+              <a:t>f</a:t>
+            </a:r>
+            <a:endParaRPr lang="en-IN" sz="2400" dirty="0"/>
+          </a:p>
+        </p:txBody>
+      </p:sp>
+      <p:sp>
+        <p:nvSpPr>
+          <p:cNvPr id="31" name="TextBox 30">
+            <a:extLst>
+              <a:ext uri="{FF2B5EF4-FFF2-40B4-BE49-F238E27FC236}">
+                <a16:creationId xmlns:a16="http://schemas.microsoft.com/office/drawing/2014/main" id="{204EDD78-9BBF-4C87-9E0D-B6389F1E4AD8}"/>
+              </a:ext>
+            </a:extLst>
+          </p:cNvPr>
+          <p:cNvSpPr txBox="1"/>
+          <p:nvPr/>
+        </p:nvSpPr>
+        <p:spPr>
+          <a:xfrm>
+            <a:off x="11116614" y="3552818"/>
+            <a:ext cx="354806" cy="461665"/>
+          </a:xfrm>
+          <a:prstGeom prst="rect">
+            <a:avLst/>
+          </a:prstGeom>
+          <a:noFill/>
+          <a:ln>
+            <a:noFill/>
+          </a:ln>
+        </p:spPr>
+        <p:txBody>
+          <a:bodyPr wrap="square" rtlCol="0">
+            <a:spAutoFit/>
+          </a:bodyPr>
+          <a:lstStyle/>
+          <a:p>
+            <a:r>
+              <a:rPr lang="en-US" sz="2400" dirty="0"/>
+              <a:t>f</a:t>
+            </a:r>
+            <a:endParaRPr lang="en-IN" sz="2400" dirty="0"/>
+          </a:p>
+        </p:txBody>
+      </p:sp>
+      <p:sp>
+        <p:nvSpPr>
+          <p:cNvPr id="32" name="TextBox 31">
+            <a:extLst>
+              <a:ext uri="{FF2B5EF4-FFF2-40B4-BE49-F238E27FC236}">
+                <a16:creationId xmlns:a16="http://schemas.microsoft.com/office/drawing/2014/main" id="{A1464CB8-6C26-4C74-94D7-7C0455002509}"/>
+              </a:ext>
+            </a:extLst>
+          </p:cNvPr>
+          <p:cNvSpPr txBox="1"/>
+          <p:nvPr/>
+        </p:nvSpPr>
+        <p:spPr>
+          <a:xfrm>
+            <a:off x="5169641" y="3672705"/>
+            <a:ext cx="354806" cy="461665"/>
+          </a:xfrm>
+          <a:prstGeom prst="rect">
+            <a:avLst/>
+          </a:prstGeom>
+          <a:noFill/>
+          <a:ln>
+            <a:noFill/>
+          </a:ln>
+        </p:spPr>
+        <p:txBody>
+          <a:bodyPr wrap="square" rtlCol="0">
+            <a:spAutoFit/>
+          </a:bodyPr>
+          <a:lstStyle/>
+          <a:p>
+            <a:r>
+              <a:rPr lang="en-US" sz="2400" dirty="0"/>
+              <a:t>f</a:t>
+            </a:r>
+            <a:endParaRPr lang="en-IN" sz="2400" dirty="0"/>
+          </a:p>
+        </p:txBody>
+      </p:sp>
+      <p:cxnSp>
+        <p:nvCxnSpPr>
+          <p:cNvPr id="36" name="Connector: Curved 35">
+            <a:extLst>
+              <a:ext uri="{FF2B5EF4-FFF2-40B4-BE49-F238E27FC236}">
+                <a16:creationId xmlns:a16="http://schemas.microsoft.com/office/drawing/2014/main" id="{55D44525-9174-4ABB-B1CE-6D491958DBD3}"/>
+              </a:ext>
+            </a:extLst>
+          </p:cNvPr>
+          <p:cNvCxnSpPr>
+            <a:cxnSpLocks/>
+          </p:cNvCxnSpPr>
+          <p:nvPr/>
+        </p:nvCxnSpPr>
+        <p:spPr>
+          <a:xfrm rot="10800000" flipV="1">
+            <a:off x="3487674" y="1745605"/>
+            <a:ext cx="2146871" cy="1588138"/>
+          </a:xfrm>
+          <a:prstGeom prst="curvedConnector3">
+            <a:avLst/>
+          </a:prstGeom>
+          <a:ln>
+            <a:tailEnd type="triangle"/>
+          </a:ln>
+        </p:spPr>
+        <p:style>
+          <a:lnRef idx="1">
+            <a:schemeClr val="accent1"/>
+          </a:lnRef>
+          <a:fillRef idx="0">
+            <a:schemeClr val="accent1"/>
+          </a:fillRef>
+          <a:effectRef idx="0">
+            <a:schemeClr val="accent1"/>
+          </a:effectRef>
+          <a:fontRef idx="minor">
+            <a:schemeClr val="tx1"/>
+          </a:fontRef>
+        </p:style>
+      </p:cxnSp>
+      <p:sp>
+        <p:nvSpPr>
+          <p:cNvPr id="37" name="TextBox 36">
+            <a:extLst>
+              <a:ext uri="{FF2B5EF4-FFF2-40B4-BE49-F238E27FC236}">
+                <a16:creationId xmlns:a16="http://schemas.microsoft.com/office/drawing/2014/main" id="{41F7A06D-3D4D-4FC9-9C80-CF1DECDB3C31}"/>
+              </a:ext>
+            </a:extLst>
+          </p:cNvPr>
+          <p:cNvSpPr txBox="1"/>
+          <p:nvPr/>
+        </p:nvSpPr>
+        <p:spPr>
+          <a:xfrm>
+            <a:off x="4740598" y="1514773"/>
+            <a:ext cx="1713752" cy="461665"/>
+          </a:xfrm>
+          <a:prstGeom prst="rect">
+            <a:avLst/>
+          </a:prstGeom>
+          <a:noFill/>
+          <a:ln>
+            <a:noFill/>
+          </a:ln>
+        </p:spPr>
+        <p:txBody>
+          <a:bodyPr wrap="square" rtlCol="0">
+            <a:spAutoFit/>
+          </a:bodyPr>
+          <a:lstStyle/>
+          <a:p>
+            <a:r>
+              <a:rPr lang="en-US" sz="2400" dirty="0"/>
+              <a:t>	Pole</a:t>
+            </a:r>
+            <a:endParaRPr lang="en-IN" sz="2400" dirty="0"/>
+          </a:p>
+        </p:txBody>
+      </p:sp>
+      <p:cxnSp>
+        <p:nvCxnSpPr>
+          <p:cNvPr id="38" name="Connector: Curved 37">
+            <a:extLst>
+              <a:ext uri="{FF2B5EF4-FFF2-40B4-BE49-F238E27FC236}">
+                <a16:creationId xmlns:a16="http://schemas.microsoft.com/office/drawing/2014/main" id="{925F5361-CA81-458C-9335-D086370B7603}"/>
+              </a:ext>
+            </a:extLst>
+          </p:cNvPr>
+          <p:cNvCxnSpPr>
+            <a:cxnSpLocks/>
+          </p:cNvCxnSpPr>
+          <p:nvPr/>
+        </p:nvCxnSpPr>
+        <p:spPr>
+          <a:xfrm>
+            <a:off x="6598748" y="1866261"/>
+            <a:ext cx="2580443" cy="1496064"/>
+          </a:xfrm>
+          <a:prstGeom prst="curvedConnector3">
+            <a:avLst>
+              <a:gd name="adj1" fmla="val 50000"/>
+            </a:avLst>
+          </a:prstGeom>
+          <a:ln>
+            <a:tailEnd type="triangle"/>
+          </a:ln>
+        </p:spPr>
+        <p:style>
+          <a:lnRef idx="1">
+            <a:schemeClr val="accent1"/>
+          </a:lnRef>
+          <a:fillRef idx="0">
+            <a:schemeClr val="accent1"/>
+          </a:fillRef>
+          <a:effectRef idx="0">
+            <a:schemeClr val="accent1"/>
+          </a:effectRef>
+          <a:fontRef idx="minor">
+            <a:schemeClr val="tx1"/>
+          </a:fontRef>
+        </p:style>
+      </p:cxnSp>
+      <p:sp>
+        <p:nvSpPr>
+          <p:cNvPr id="44" name="Oval 43">
+            <a:extLst>
+              <a:ext uri="{FF2B5EF4-FFF2-40B4-BE49-F238E27FC236}">
+                <a16:creationId xmlns:a16="http://schemas.microsoft.com/office/drawing/2014/main" id="{CC5E0E9A-3F15-4249-9F7E-4AD3822AEA5C}"/>
+              </a:ext>
+            </a:extLst>
+          </p:cNvPr>
+          <p:cNvSpPr/>
+          <p:nvPr/>
+        </p:nvSpPr>
+        <p:spPr>
+          <a:xfrm>
+            <a:off x="3306780" y="3343275"/>
+            <a:ext cx="53799" cy="190498"/>
+          </a:xfrm>
+          <a:prstGeom prst="ellipse">
+            <a:avLst/>
+          </a:prstGeom>
+          <a:solidFill>
+            <a:schemeClr val="bg1"/>
+          </a:solidFill>
+          <a:ln>
+            <a:solidFill>
+              <a:srgbClr val="C00000"/>
+            </a:solidFill>
+          </a:ln>
+        </p:spPr>
+        <p:style>
+          <a:lnRef idx="2">
+            <a:schemeClr val="accent1">
+              <a:shade val="50000"/>
+            </a:schemeClr>
+          </a:lnRef>
+          <a:fillRef idx="1">
+            <a:schemeClr val="accent1"/>
+          </a:fillRef>
+          <a:effectRef idx="0">
+            <a:schemeClr val="accent1"/>
+          </a:effectRef>
+          <a:fontRef idx="minor">
+            <a:schemeClr val="lt1"/>
+          </a:fontRef>
+        </p:style>
+        <p:txBody>
+          <a:bodyPr rtlCol="0" anchor="ctr"/>
+          <a:lstStyle/>
+          <a:p>
+            <a:pPr algn="ctr"/>
+            <a:endParaRPr lang="en-IN"/>
+          </a:p>
+        </p:txBody>
+      </p:sp>
+      <p:sp>
+        <p:nvSpPr>
+          <p:cNvPr id="45" name="Oval 44">
+            <a:extLst>
+              <a:ext uri="{FF2B5EF4-FFF2-40B4-BE49-F238E27FC236}">
+                <a16:creationId xmlns:a16="http://schemas.microsoft.com/office/drawing/2014/main" id="{73325414-AC95-4618-A59C-B3E74377A23F}"/>
+              </a:ext>
+            </a:extLst>
+          </p:cNvPr>
+          <p:cNvSpPr/>
+          <p:nvPr/>
+        </p:nvSpPr>
+        <p:spPr>
+          <a:xfrm>
+            <a:off x="9220358" y="3343276"/>
+            <a:ext cx="53799" cy="190498"/>
+          </a:xfrm>
+          <a:prstGeom prst="ellipse">
+            <a:avLst/>
+          </a:prstGeom>
+          <a:solidFill>
+            <a:schemeClr val="bg1"/>
+          </a:solidFill>
+          <a:ln>
+            <a:solidFill>
+              <a:srgbClr val="C00000"/>
+            </a:solidFill>
+          </a:ln>
+        </p:spPr>
+        <p:style>
+          <a:lnRef idx="2">
+            <a:schemeClr val="accent1">
+              <a:shade val="50000"/>
+            </a:schemeClr>
+          </a:lnRef>
+          <a:fillRef idx="1">
+            <a:schemeClr val="accent1"/>
+          </a:fillRef>
+          <a:effectRef idx="0">
+            <a:schemeClr val="accent1"/>
+          </a:effectRef>
+          <a:fontRef idx="minor">
+            <a:schemeClr val="lt1"/>
+          </a:fontRef>
+        </p:style>
+        <p:txBody>
+          <a:bodyPr rtlCol="0" anchor="ctr"/>
+          <a:lstStyle/>
+          <a:p>
+            <a:pPr algn="ctr"/>
+            <a:endParaRPr lang="en-IN"/>
+          </a:p>
+        </p:txBody>
+      </p:sp>
+      <p:sp>
+        <p:nvSpPr>
+          <p:cNvPr id="29" name="Oval 28">
+            <a:extLst>
+              <a:ext uri="{FF2B5EF4-FFF2-40B4-BE49-F238E27FC236}">
+                <a16:creationId xmlns:a16="http://schemas.microsoft.com/office/drawing/2014/main" id="{15BD253E-F83F-4A79-8ED9-F6F0AB48D2AE}"/>
+              </a:ext>
+            </a:extLst>
+          </p:cNvPr>
+          <p:cNvSpPr/>
+          <p:nvPr/>
+        </p:nvSpPr>
+        <p:spPr>
+          <a:xfrm>
+            <a:off x="3049605" y="3352800"/>
+            <a:ext cx="53799" cy="190498"/>
+          </a:xfrm>
+          <a:prstGeom prst="ellipse">
+            <a:avLst/>
+          </a:prstGeom>
+          <a:solidFill>
+            <a:schemeClr val="bg1"/>
+          </a:solidFill>
+          <a:ln>
+            <a:solidFill>
+              <a:srgbClr val="C00000"/>
+            </a:solidFill>
+          </a:ln>
+        </p:spPr>
+        <p:style>
+          <a:lnRef idx="2">
+            <a:schemeClr val="accent1">
+              <a:shade val="50000"/>
+            </a:schemeClr>
+          </a:lnRef>
+          <a:fillRef idx="1">
+            <a:schemeClr val="accent1"/>
+          </a:fillRef>
+          <a:effectRef idx="0">
+            <a:schemeClr val="accent1"/>
+          </a:effectRef>
+          <a:fontRef idx="minor">
+            <a:schemeClr val="lt1"/>
+          </a:fontRef>
+        </p:style>
+        <p:txBody>
+          <a:bodyPr rtlCol="0" anchor="ctr"/>
+          <a:lstStyle/>
+          <a:p>
+            <a:pPr algn="ctr"/>
+            <a:endParaRPr lang="en-IN"/>
+          </a:p>
+        </p:txBody>
+      </p:sp>
+      <p:sp>
+        <p:nvSpPr>
+          <p:cNvPr id="33" name="Oval 32">
+            <a:extLst>
+              <a:ext uri="{FF2B5EF4-FFF2-40B4-BE49-F238E27FC236}">
+                <a16:creationId xmlns:a16="http://schemas.microsoft.com/office/drawing/2014/main" id="{867FAD57-2169-447F-B412-D6A39A267B16}"/>
+              </a:ext>
+            </a:extLst>
+          </p:cNvPr>
+          <p:cNvSpPr/>
+          <p:nvPr/>
+        </p:nvSpPr>
+        <p:spPr>
+          <a:xfrm>
+            <a:off x="9392306" y="3343275"/>
+            <a:ext cx="53799" cy="190498"/>
+          </a:xfrm>
+          <a:prstGeom prst="ellipse">
+            <a:avLst/>
+          </a:prstGeom>
+          <a:solidFill>
+            <a:schemeClr val="bg1"/>
+          </a:solidFill>
+          <a:ln>
+            <a:solidFill>
+              <a:srgbClr val="C00000"/>
+            </a:solidFill>
+          </a:ln>
+        </p:spPr>
+        <p:style>
+          <a:lnRef idx="2">
+            <a:schemeClr val="accent1">
+              <a:shade val="50000"/>
+            </a:schemeClr>
+          </a:lnRef>
+          <a:fillRef idx="1">
+            <a:schemeClr val="accent1"/>
+          </a:fillRef>
+          <a:effectRef idx="0">
+            <a:schemeClr val="accent1"/>
+          </a:effectRef>
+          <a:fontRef idx="minor">
+            <a:schemeClr val="lt1"/>
+          </a:fontRef>
+        </p:style>
+        <p:txBody>
+          <a:bodyPr rtlCol="0" anchor="ctr"/>
+          <a:lstStyle/>
+          <a:p>
+            <a:pPr algn="ctr"/>
+            <a:endParaRPr lang="en-IN"/>
+          </a:p>
+        </p:txBody>
+      </p:sp>
+    </p:spTree>
+    <p:extLst>
+      <p:ext uri="{BB962C8B-B14F-4D97-AF65-F5344CB8AC3E}">
+        <p14:creationId xmlns:p14="http://schemas.microsoft.com/office/powerpoint/2010/main" val="3807747226"/>
+      </p:ext>
+    </p:extLst>
+  </p:cSld>
+  <p:clrMapOvr>
+    <a:masterClrMapping/>
+  </p:clrMapOvr>
+</p:sld>
+</file>
+
+<file path=ppt/slides/slide6.xml><?xml version="1.0" encoding="utf-8"?>
 <p:sld xmlns:a="http://schemas.openxmlformats.org/drawingml/2006/main" xmlns:r="http://schemas.openxmlformats.org/officeDocument/2006/relationships" xmlns:p="http://schemas.openxmlformats.org/presentationml/2006/main">
   <p:cSld>
     <p:spTree>
@@ -6054,7 +7629,7 @@
 </p:sld>
 </file>
 
-<file path=ppt/slides/slide5.xml><?xml version="1.0" encoding="utf-8"?>
+<file path=ppt/slides/slide7.xml><?xml version="1.0" encoding="utf-8"?>
 <p:sld xmlns:a="http://schemas.openxmlformats.org/drawingml/2006/main" xmlns:r="http://schemas.openxmlformats.org/officeDocument/2006/relationships" xmlns:p="http://schemas.openxmlformats.org/presentationml/2006/main">
   <p:cSld>
     <p:spTree>
@@ -6144,45 +7719,6 @@
             <a:r>
               <a:rPr lang="en-US" sz="2400" dirty="0"/>
               <a:t>f</a:t>
-            </a:r>
-            <a:endParaRPr lang="en-IN" sz="2400" dirty="0"/>
-          </a:p>
-        </p:txBody>
-      </p:sp>
-      <p:sp>
-        <p:nvSpPr>
-          <p:cNvPr id="37" name="TextBox 36">
-            <a:extLst>
-              <a:ext uri="{FF2B5EF4-FFF2-40B4-BE49-F238E27FC236}">
-                <a16:creationId xmlns:a16="http://schemas.microsoft.com/office/drawing/2014/main" id="{41F7A06D-3D4D-4FC9-9C80-CF1DECDB3C31}"/>
-              </a:ext>
-            </a:extLst>
-          </p:cNvPr>
-          <p:cNvSpPr txBox="1"/>
-          <p:nvPr/>
-        </p:nvSpPr>
-        <p:spPr>
-          <a:xfrm>
-            <a:off x="8091274" y="4780298"/>
-            <a:ext cx="2430328" cy="461665"/>
-          </a:xfrm>
-          <a:prstGeom prst="rect">
-            <a:avLst/>
-          </a:prstGeom>
-          <a:noFill/>
-          <a:ln>
-            <a:noFill/>
-          </a:ln>
-        </p:spPr>
-        <p:txBody>
-          <a:bodyPr wrap="square" rtlCol="0">
-            <a:spAutoFit/>
-          </a:bodyPr>
-          <a:lstStyle/>
-          <a:p>
-            <a:r>
-              <a:rPr lang="en-US" sz="2400" dirty="0"/>
-              <a:t>Focus point</a:t>
             </a:r>
             <a:endParaRPr lang="en-IN" sz="2400" dirty="0"/>
           </a:p>
@@ -6327,60 +7863,6 @@
       </p:sp>
       <p:sp>
         <p:nvSpPr>
-          <p:cNvPr id="25" name="Oval 24">
-            <a:extLst>
-              <a:ext uri="{FF2B5EF4-FFF2-40B4-BE49-F238E27FC236}">
-                <a16:creationId xmlns:a16="http://schemas.microsoft.com/office/drawing/2014/main" id="{41BD6367-15BC-42D6-B874-33F28D6EE185}"/>
-              </a:ext>
-            </a:extLst>
-          </p:cNvPr>
-          <p:cNvSpPr/>
-          <p:nvPr/>
-        </p:nvSpPr>
-        <p:spPr>
-          <a:xfrm>
-            <a:off x="8159149" y="3611991"/>
-            <a:ext cx="162436" cy="190498"/>
-          </a:xfrm>
-          <a:prstGeom prst="ellipse">
-            <a:avLst/>
-          </a:prstGeom>
-          <a:solidFill>
-            <a:srgbClr val="00B0F0"/>
-          </a:solidFill>
-          <a:ln>
-            <a:solidFill>
-              <a:srgbClr val="C00000"/>
-            </a:solidFill>
-          </a:ln>
-        </p:spPr>
-        <p:style>
-          <a:lnRef idx="2">
-            <a:schemeClr val="accent1">
-              <a:shade val="50000"/>
-            </a:schemeClr>
-          </a:lnRef>
-          <a:fillRef idx="1">
-            <a:schemeClr val="accent1"/>
-          </a:fillRef>
-          <a:effectRef idx="0">
-            <a:schemeClr val="accent1"/>
-          </a:effectRef>
-          <a:fontRef idx="minor">
-            <a:schemeClr val="lt1"/>
-          </a:fontRef>
-        </p:style>
-        <p:txBody>
-          <a:bodyPr rtlCol="0" anchor="ctr"/>
-          <a:lstStyle/>
-          <a:p>
-            <a:pPr algn="ctr"/>
-            <a:endParaRPr lang="en-IN"/>
-          </a:p>
-        </p:txBody>
-      </p:sp>
-      <p:sp>
-        <p:nvSpPr>
           <p:cNvPr id="44" name="Oval 43">
             <a:extLst>
               <a:ext uri="{FF2B5EF4-FFF2-40B4-BE49-F238E27FC236}">
@@ -6433,306 +7915,6 @@
           </a:p>
         </p:txBody>
       </p:sp>
-      <p:cxnSp>
-        <p:nvCxnSpPr>
-          <p:cNvPr id="34" name="Straight Arrow Connector 33">
-            <a:extLst>
-              <a:ext uri="{FF2B5EF4-FFF2-40B4-BE49-F238E27FC236}">
-                <a16:creationId xmlns:a16="http://schemas.microsoft.com/office/drawing/2014/main" id="{E9D88174-25D3-4AA8-8A18-812B08AD5ACD}"/>
-              </a:ext>
-            </a:extLst>
-          </p:cNvPr>
-          <p:cNvCxnSpPr>
-            <a:cxnSpLocks/>
-          </p:cNvCxnSpPr>
-          <p:nvPr/>
-        </p:nvCxnSpPr>
-        <p:spPr>
-          <a:xfrm>
-            <a:off x="6107867" y="2634182"/>
-            <a:ext cx="3502858" cy="1747318"/>
-          </a:xfrm>
-          <a:prstGeom prst="straightConnector1">
-            <a:avLst/>
-          </a:prstGeom>
-          <a:ln w="28575">
-            <a:tailEnd type="triangle"/>
-          </a:ln>
-        </p:spPr>
-        <p:style>
-          <a:lnRef idx="1">
-            <a:schemeClr val="accent2"/>
-          </a:lnRef>
-          <a:fillRef idx="0">
-            <a:schemeClr val="accent2"/>
-          </a:fillRef>
-          <a:effectRef idx="0">
-            <a:schemeClr val="accent2"/>
-          </a:effectRef>
-          <a:fontRef idx="minor">
-            <a:schemeClr val="tx1"/>
-          </a:fontRef>
-        </p:style>
-      </p:cxnSp>
-      <p:cxnSp>
-        <p:nvCxnSpPr>
-          <p:cNvPr id="39" name="Straight Arrow Connector 38">
-            <a:extLst>
-              <a:ext uri="{FF2B5EF4-FFF2-40B4-BE49-F238E27FC236}">
-                <a16:creationId xmlns:a16="http://schemas.microsoft.com/office/drawing/2014/main" id="{3525651F-0EC4-4F0D-9C07-0B86EB92AEF2}"/>
-              </a:ext>
-            </a:extLst>
-          </p:cNvPr>
-          <p:cNvCxnSpPr>
-            <a:cxnSpLocks/>
-          </p:cNvCxnSpPr>
-          <p:nvPr/>
-        </p:nvCxnSpPr>
-        <p:spPr>
-          <a:xfrm flipV="1">
-            <a:off x="6147808" y="2967557"/>
-            <a:ext cx="3462917" cy="1812741"/>
-          </a:xfrm>
-          <a:prstGeom prst="straightConnector1">
-            <a:avLst/>
-          </a:prstGeom>
-          <a:ln w="28575">
-            <a:tailEnd type="triangle"/>
-          </a:ln>
-        </p:spPr>
-        <p:style>
-          <a:lnRef idx="1">
-            <a:schemeClr val="accent2"/>
-          </a:lnRef>
-          <a:fillRef idx="0">
-            <a:schemeClr val="accent2"/>
-          </a:fillRef>
-          <a:effectRef idx="0">
-            <a:schemeClr val="accent2"/>
-          </a:effectRef>
-          <a:fontRef idx="minor">
-            <a:schemeClr val="tx1"/>
-          </a:fontRef>
-        </p:style>
-      </p:cxnSp>
-      <p:grpSp>
-        <p:nvGrpSpPr>
-          <p:cNvPr id="40" name="Group 39">
-            <a:extLst>
-              <a:ext uri="{FF2B5EF4-FFF2-40B4-BE49-F238E27FC236}">
-                <a16:creationId xmlns:a16="http://schemas.microsoft.com/office/drawing/2014/main" id="{E590AA82-005E-4CA7-94F3-6A1FD77196FE}"/>
-              </a:ext>
-            </a:extLst>
-          </p:cNvPr>
-          <p:cNvGrpSpPr/>
-          <p:nvPr/>
-        </p:nvGrpSpPr>
-        <p:grpSpPr>
-          <a:xfrm>
-            <a:off x="1893263" y="2634182"/>
-            <a:ext cx="4282639" cy="2147368"/>
-            <a:chOff x="1893263" y="2634182"/>
-            <a:chExt cx="4282639" cy="2147368"/>
-          </a:xfrm>
-        </p:grpSpPr>
-        <p:cxnSp>
-          <p:nvCxnSpPr>
-            <p:cNvPr id="11" name="Straight Arrow Connector 10">
-              <a:extLst>
-                <a:ext uri="{FF2B5EF4-FFF2-40B4-BE49-F238E27FC236}">
-                  <a16:creationId xmlns:a16="http://schemas.microsoft.com/office/drawing/2014/main" id="{9BC9595A-6594-471F-8B5C-28CEE2296DA9}"/>
-                </a:ext>
-              </a:extLst>
-            </p:cNvPr>
-            <p:cNvCxnSpPr/>
-            <p:nvPr/>
-          </p:nvCxnSpPr>
-          <p:spPr>
-            <a:xfrm>
-              <a:off x="1893263" y="2634182"/>
-              <a:ext cx="4236464" cy="0"/>
-            </a:xfrm>
-            <a:prstGeom prst="straightConnector1">
-              <a:avLst/>
-            </a:prstGeom>
-            <a:ln w="28575">
-              <a:tailEnd type="triangle"/>
-            </a:ln>
-          </p:spPr>
-          <p:style>
-            <a:lnRef idx="1">
-              <a:schemeClr val="accent2"/>
-            </a:lnRef>
-            <a:fillRef idx="0">
-              <a:schemeClr val="accent2"/>
-            </a:fillRef>
-            <a:effectRef idx="0">
-              <a:schemeClr val="accent2"/>
-            </a:effectRef>
-            <a:fontRef idx="minor">
-              <a:schemeClr val="tx1"/>
-            </a:fontRef>
-          </p:style>
-        </p:cxnSp>
-        <p:cxnSp>
-          <p:nvCxnSpPr>
-            <p:cNvPr id="33" name="Straight Arrow Connector 32">
-              <a:extLst>
-                <a:ext uri="{FF2B5EF4-FFF2-40B4-BE49-F238E27FC236}">
-                  <a16:creationId xmlns:a16="http://schemas.microsoft.com/office/drawing/2014/main" id="{53ABFB7E-B780-4E24-9757-B010877E2F4A}"/>
-                </a:ext>
-              </a:extLst>
-            </p:cNvPr>
-            <p:cNvCxnSpPr/>
-            <p:nvPr/>
-          </p:nvCxnSpPr>
-          <p:spPr>
-            <a:xfrm>
-              <a:off x="1939438" y="4780298"/>
-              <a:ext cx="4236464" cy="0"/>
-            </a:xfrm>
-            <a:prstGeom prst="straightConnector1">
-              <a:avLst/>
-            </a:prstGeom>
-            <a:ln w="28575">
-              <a:tailEnd type="triangle"/>
-            </a:ln>
-          </p:spPr>
-          <p:style>
-            <a:lnRef idx="1">
-              <a:schemeClr val="accent2"/>
-            </a:lnRef>
-            <a:fillRef idx="0">
-              <a:schemeClr val="accent2"/>
-            </a:fillRef>
-            <a:effectRef idx="0">
-              <a:schemeClr val="accent2"/>
-            </a:effectRef>
-            <a:fontRef idx="minor">
-              <a:schemeClr val="tx1"/>
-            </a:fontRef>
-          </p:style>
-        </p:cxnSp>
-        <p:cxnSp>
-          <p:nvCxnSpPr>
-            <p:cNvPr id="20" name="Straight Arrow Connector 19">
-              <a:extLst>
-                <a:ext uri="{FF2B5EF4-FFF2-40B4-BE49-F238E27FC236}">
-                  <a16:creationId xmlns:a16="http://schemas.microsoft.com/office/drawing/2014/main" id="{012747DC-9682-4FDB-A756-6AEA77CCFAE6}"/>
-                </a:ext>
-              </a:extLst>
-            </p:cNvPr>
-            <p:cNvCxnSpPr/>
-            <p:nvPr/>
-          </p:nvCxnSpPr>
-          <p:spPr>
-            <a:xfrm>
-              <a:off x="2992300" y="2638425"/>
-              <a:ext cx="762000" cy="0"/>
-            </a:xfrm>
-            <a:prstGeom prst="straightConnector1">
-              <a:avLst/>
-            </a:prstGeom>
-            <a:ln w="28575">
-              <a:tailEnd type="triangle"/>
-            </a:ln>
-          </p:spPr>
-          <p:style>
-            <a:lnRef idx="1">
-              <a:schemeClr val="accent2"/>
-            </a:lnRef>
-            <a:fillRef idx="0">
-              <a:schemeClr val="accent2"/>
-            </a:fillRef>
-            <a:effectRef idx="0">
-              <a:schemeClr val="accent2"/>
-            </a:effectRef>
-            <a:fontRef idx="minor">
-              <a:schemeClr val="tx1"/>
-            </a:fontRef>
-          </p:style>
-        </p:cxnSp>
-        <p:cxnSp>
-          <p:nvCxnSpPr>
-            <p:cNvPr id="41" name="Straight Arrow Connector 40">
-              <a:extLst>
-                <a:ext uri="{FF2B5EF4-FFF2-40B4-BE49-F238E27FC236}">
-                  <a16:creationId xmlns:a16="http://schemas.microsoft.com/office/drawing/2014/main" id="{47B9D83C-2BC6-4DB5-8C8C-CB95474DA854}"/>
-                </a:ext>
-              </a:extLst>
-            </p:cNvPr>
-            <p:cNvCxnSpPr/>
-            <p:nvPr/>
-          </p:nvCxnSpPr>
-          <p:spPr>
-            <a:xfrm>
-              <a:off x="3171825" y="4781550"/>
-              <a:ext cx="762000" cy="0"/>
-            </a:xfrm>
-            <a:prstGeom prst="straightConnector1">
-              <a:avLst/>
-            </a:prstGeom>
-            <a:ln w="28575">
-              <a:tailEnd type="triangle"/>
-            </a:ln>
-          </p:spPr>
-          <p:style>
-            <a:lnRef idx="1">
-              <a:schemeClr val="accent2"/>
-            </a:lnRef>
-            <a:fillRef idx="0">
-              <a:schemeClr val="accent2"/>
-            </a:fillRef>
-            <a:effectRef idx="0">
-              <a:schemeClr val="accent2"/>
-            </a:effectRef>
-            <a:fontRef idx="minor">
-              <a:schemeClr val="tx1"/>
-            </a:fontRef>
-          </p:style>
-        </p:cxnSp>
-      </p:grpSp>
-      <p:cxnSp>
-        <p:nvCxnSpPr>
-          <p:cNvPr id="22" name="Connector: Curved 21">
-            <a:extLst>
-              <a:ext uri="{FF2B5EF4-FFF2-40B4-BE49-F238E27FC236}">
-                <a16:creationId xmlns:a16="http://schemas.microsoft.com/office/drawing/2014/main" id="{058623F0-EB05-4F35-89C5-5F337F99CD3A}"/>
-              </a:ext>
-            </a:extLst>
-          </p:cNvPr>
-          <p:cNvCxnSpPr>
-            <a:cxnSpLocks/>
-          </p:cNvCxnSpPr>
-          <p:nvPr/>
-        </p:nvCxnSpPr>
-        <p:spPr>
-          <a:xfrm rot="16200000" flipV="1">
-            <a:off x="8188020" y="4006323"/>
-            <a:ext cx="1008343" cy="675025"/>
-          </a:xfrm>
-          <a:prstGeom prst="curvedConnector3">
-            <a:avLst/>
-          </a:prstGeom>
-          <a:ln>
-            <a:tailEnd type="triangle"/>
-          </a:ln>
-        </p:spPr>
-        <p:style>
-          <a:lnRef idx="1">
-            <a:schemeClr val="accent1"/>
-          </a:lnRef>
-          <a:fillRef idx="0">
-            <a:schemeClr val="accent1"/>
-          </a:fillRef>
-          <a:effectRef idx="0">
-            <a:schemeClr val="accent1"/>
-          </a:effectRef>
-          <a:fontRef idx="minor">
-            <a:schemeClr val="tx1"/>
-          </a:fontRef>
-        </p:style>
-      </p:cxnSp>
     </p:spTree>
     <p:extLst>
       <p:ext uri="{BB962C8B-B14F-4D97-AF65-F5344CB8AC3E}">
